--- a/Sistem za upravljanje bazama podataka - Microsoft SQL Server High Availability.pptx
+++ b/Sistem za upravljanje bazama podataka - Microsoft SQL Server High Availability.pptx
@@ -5,7 +5,7 @@
     <p:sldMasterId id="2147483648" r:id="rId1"/>
   </p:sldMasterIdLst>
   <p:notesMasterIdLst>
-    <p:notesMasterId r:id="rId15"/>
+    <p:notesMasterId r:id="rId18"/>
   </p:notesMasterIdLst>
   <p:sldIdLst>
     <p:sldId id="256" r:id="rId2"/>
@@ -20,7 +20,10 @@
     <p:sldId id="290" r:id="rId11"/>
     <p:sldId id="291" r:id="rId12"/>
     <p:sldId id="292" r:id="rId13"/>
-    <p:sldId id="273" r:id="rId14"/>
+    <p:sldId id="293" r:id="rId14"/>
+    <p:sldId id="294" r:id="rId15"/>
+    <p:sldId id="295" r:id="rId16"/>
+    <p:sldId id="273" r:id="rId17"/>
   </p:sldIdLst>
   <p:sldSz cx="12192000" cy="6858000"/>
   <p:notesSz cx="6858000" cy="9144000"/>
@@ -2895,7 +2898,7 @@
           <a:p>
             <a:fld id="{EBC0849F-178D-4DEA-B07D-92E2D42D9965}" type="datetimeFigureOut">
               <a:rPr lang="en-US" smtClean="0"/>
-              <a:t>28-Jun-21</a:t>
+              <a:t>07-Sep-21</a:t>
             </a:fld>
             <a:endParaRPr lang="en-US"/>
           </a:p>
@@ -4151,6 +4154,620 @@
   <p:cSld>
     <p:spTree>
       <p:nvGrpSpPr>
+        <p:cNvPr id="1" name="Shape 194"/>
+        <p:cNvGrpSpPr/>
+        <p:nvPr/>
+      </p:nvGrpSpPr>
+      <p:grpSpPr>
+        <a:xfrm>
+          <a:off x="0" y="0"/>
+          <a:ext cx="0" cy="0"/>
+          <a:chOff x="0" y="0"/>
+          <a:chExt cx="0" cy="0"/>
+        </a:xfrm>
+      </p:grpSpPr>
+      <p:sp>
+        <p:nvSpPr>
+          <p:cNvPr id="195" name="Google Shape;195;gd2144b668b_0_84:notes"/>
+          <p:cNvSpPr>
+            <a:spLocks noGrp="1" noRot="1" noChangeAspect="1"/>
+          </p:cNvSpPr>
+          <p:nvPr>
+            <p:ph type="sldImg" idx="2"/>
+          </p:nvPr>
+        </p:nvSpPr>
+        <p:spPr>
+          <a:xfrm>
+            <a:off x="381000" y="685800"/>
+            <a:ext cx="6096000" cy="3429000"/>
+          </a:xfrm>
+          <a:custGeom>
+            <a:avLst/>
+            <a:gdLst/>
+            <a:ahLst/>
+            <a:cxnLst/>
+            <a:rect l="l" t="t" r="r" b="b"/>
+            <a:pathLst>
+              <a:path w="120000" h="120000" extrusionOk="0">
+                <a:moveTo>
+                  <a:pt x="0" y="0"/>
+                </a:moveTo>
+                <a:lnTo>
+                  <a:pt x="120000" y="0"/>
+                </a:lnTo>
+                <a:lnTo>
+                  <a:pt x="120000" y="120000"/>
+                </a:lnTo>
+                <a:lnTo>
+                  <a:pt x="0" y="120000"/>
+                </a:lnTo>
+                <a:close/>
+              </a:path>
+            </a:pathLst>
+          </a:custGeom>
+        </p:spPr>
+      </p:sp>
+      <p:sp>
+        <p:nvSpPr>
+          <p:cNvPr id="196" name="Google Shape;196;gd2144b668b_0_84:notes"/>
+          <p:cNvSpPr txBox="1">
+            <a:spLocks noGrp="1"/>
+          </p:cNvSpPr>
+          <p:nvPr>
+            <p:ph type="body" idx="1"/>
+          </p:nvPr>
+        </p:nvSpPr>
+        <p:spPr>
+          <a:xfrm>
+            <a:off x="685800" y="4343400"/>
+            <a:ext cx="5486400" cy="4114800"/>
+          </a:xfrm>
+          <a:prstGeom prst="rect">
+            <a:avLst/>
+          </a:prstGeom>
+        </p:spPr>
+        <p:txBody>
+          <a:bodyPr spcFirstLastPara="1" wrap="square" lIns="91425" tIns="91425" rIns="91425" bIns="91425" anchor="t" anchorCtr="0">
+            <a:noAutofit/>
+          </a:bodyPr>
+          <a:lstStyle/>
+          <a:p>
+            <a:pPr marL="171450" indent="-171450">
+              <a:buFontTx/>
+              <a:buChar char="-"/>
+            </a:pPr>
+            <a:r>
+              <a:rPr lang="en-US" dirty="0"/>
+              <a:t>r</a:t>
+            </a:r>
+            <a:r>
+              <a:rPr lang="sr-Latn-RS" dirty="0" err="1"/>
+              <a:t>ešenje</a:t>
+            </a:r>
+            <a:r>
+              <a:rPr lang="sr-Latn-RS" dirty="0"/>
+              <a:t> visoke dostupnosti na nivou baze podataka koje se može konfigurisati u bazama podataka sa potpunim modelom oporavka. Sastoji se od najmanje dva servera; primarni S</a:t>
+            </a:r>
+            <a:r>
+              <a:rPr lang="en-US" dirty="0"/>
+              <a:t>Q</a:t>
+            </a:r>
+            <a:r>
+              <a:rPr lang="sr-Latn-RS" dirty="0"/>
+              <a:t>L Server, poznat kao Glavni server i sekundarni server, poznat kao </a:t>
+            </a:r>
+            <a:r>
+              <a:rPr lang="sr-Latn-RS" dirty="0" err="1"/>
+              <a:t>Mirror</a:t>
+            </a:r>
+            <a:r>
+              <a:rPr lang="sr-Latn-RS" dirty="0"/>
+              <a:t> server, a po želji i </a:t>
+            </a:r>
+            <a:r>
+              <a:rPr lang="sr-Latn-RS" dirty="0" err="1"/>
+              <a:t>treći</a:t>
+            </a:r>
+            <a:r>
+              <a:rPr lang="sr-Latn-RS" dirty="0"/>
+              <a:t> server, poznat kao </a:t>
+            </a:r>
+            <a:r>
+              <a:rPr lang="sr-Latn-RS" dirty="0" err="1"/>
+              <a:t>Vitness</a:t>
+            </a:r>
+            <a:r>
+              <a:rPr lang="sr-Latn-RS" dirty="0"/>
+              <a:t> server. </a:t>
+            </a:r>
+            <a:r>
+              <a:rPr lang="sr-Latn-RS" dirty="0" err="1"/>
+              <a:t>Vitness</a:t>
+            </a:r>
+            <a:r>
+              <a:rPr lang="sr-Latn-RS" dirty="0"/>
+              <a:t> server </a:t>
+            </a:r>
+            <a:r>
+              <a:rPr lang="sr-Latn-RS" dirty="0" err="1"/>
+              <a:t>će</a:t>
+            </a:r>
+            <a:r>
+              <a:rPr lang="sr-Latn-RS" dirty="0"/>
+              <a:t> nadgledati vezu između ova dva servera i njegovu dostupnost i izvršiti automatsko preusmeravanje ili promenu uloge između ova dva servera.</a:t>
+            </a:r>
+            <a:endParaRPr lang="en-US" dirty="0"/>
+          </a:p>
+          <a:p>
+            <a:pPr marL="171450" indent="-171450">
+              <a:buFontTx/>
+              <a:buChar char="-"/>
+            </a:pPr>
+            <a:r>
+              <a:rPr lang="sr-Latn-RS" dirty="0"/>
+              <a:t>Režim visoke sigurnosti, poznat i kao </a:t>
+            </a:r>
+            <a:r>
+              <a:rPr lang="sr-Latn-RS" b="1" dirty="0"/>
+              <a:t>sinhroni režim</a:t>
+            </a:r>
+            <a:r>
+              <a:rPr lang="sr-Latn-RS" dirty="0"/>
+              <a:t>, u kojem </a:t>
+            </a:r>
+            <a:r>
+              <a:rPr lang="sr-Latn-RS" dirty="0" err="1"/>
+              <a:t>će</a:t>
+            </a:r>
+            <a:r>
+              <a:rPr lang="sr-Latn-RS" dirty="0"/>
+              <a:t> se transakcija izvršiti u glavnoj bazi podataka nakon što je izvrši i zapiše u datoteku dnevnika transakcija u </a:t>
+            </a:r>
+            <a:r>
+              <a:rPr lang="en-US" dirty="0"/>
+              <a:t>mirror</a:t>
+            </a:r>
+            <a:r>
+              <a:rPr lang="sr-Latn-RS" dirty="0"/>
+              <a:t> bazi podataka, što </a:t>
+            </a:r>
+            <a:r>
+              <a:rPr lang="sr-Latn-RS" dirty="0" err="1"/>
+              <a:t>povećava</a:t>
+            </a:r>
+            <a:r>
+              <a:rPr lang="sr-Latn-RS" dirty="0"/>
+              <a:t> </a:t>
+            </a:r>
+            <a:r>
+              <a:rPr lang="sr-Latn-RS" dirty="0" err="1"/>
+              <a:t>mogućnost</a:t>
+            </a:r>
+            <a:r>
+              <a:rPr lang="sr-Latn-RS" dirty="0"/>
+              <a:t> kašnjenja transakcija</a:t>
+            </a:r>
+            <a:endParaRPr lang="en-US" dirty="0"/>
+          </a:p>
+          <a:p>
+            <a:pPr marL="171450" indent="-171450">
+              <a:buFontTx/>
+              <a:buChar char="-"/>
+            </a:pPr>
+            <a:r>
+              <a:rPr lang="sr-Latn-RS" dirty="0"/>
+              <a:t>U režimu sinhronizacije visokih performansi, poznatom i kao </a:t>
+            </a:r>
+            <a:r>
+              <a:rPr lang="sr-Latn-RS" b="1" dirty="0"/>
+              <a:t>Asinhroni režim</a:t>
+            </a:r>
+            <a:r>
+              <a:rPr lang="sr-Latn-RS" dirty="0"/>
+              <a:t>, transakcija </a:t>
+            </a:r>
+            <a:r>
+              <a:rPr lang="sr-Latn-RS" dirty="0" err="1"/>
+              <a:t>će</a:t>
+            </a:r>
+            <a:r>
+              <a:rPr lang="sr-Latn-RS" dirty="0"/>
+              <a:t> biti izvršena u glavnoj bazi podataka, bez čekanja da se izvrši na </a:t>
+            </a:r>
+            <a:r>
+              <a:rPr lang="en-US" dirty="0"/>
+              <a:t>mirror</a:t>
+            </a:r>
+            <a:r>
+              <a:rPr lang="sr-Latn-RS" dirty="0"/>
+              <a:t> serveru, </a:t>
+            </a:r>
+            <a:r>
+              <a:rPr lang="sr-Latn-RS" dirty="0" err="1"/>
+              <a:t>smanjujući</a:t>
+            </a:r>
+            <a:r>
+              <a:rPr lang="sr-Latn-RS" dirty="0"/>
+              <a:t> </a:t>
+            </a:r>
+            <a:r>
+              <a:rPr lang="sr-Latn-RS" dirty="0" err="1"/>
+              <a:t>mogućnost</a:t>
+            </a:r>
+            <a:r>
+              <a:rPr lang="sr-Latn-RS" dirty="0"/>
+              <a:t> kašnjenja transakcija, ali </a:t>
+            </a:r>
+            <a:r>
+              <a:rPr lang="sr-Latn-RS" dirty="0" err="1"/>
+              <a:t>povećavajući</a:t>
+            </a:r>
+            <a:r>
+              <a:rPr lang="sr-Latn-RS" dirty="0"/>
+              <a:t> </a:t>
+            </a:r>
+            <a:r>
+              <a:rPr lang="sr-Latn-RS" dirty="0" err="1"/>
+              <a:t>mogućnost</a:t>
+            </a:r>
+            <a:r>
+              <a:rPr lang="sr-Latn-RS" dirty="0"/>
+              <a:t> gubitka podataka</a:t>
+            </a:r>
+          </a:p>
+        </p:txBody>
+      </p:sp>
+    </p:spTree>
+    <p:extLst>
+      <p:ext uri="{BB962C8B-B14F-4D97-AF65-F5344CB8AC3E}">
+        <p14:creationId xmlns:p14="http://schemas.microsoft.com/office/powerpoint/2010/main" val="3222955995"/>
+      </p:ext>
+    </p:extLst>
+  </p:cSld>
+  <p:clrMapOvr>
+    <a:masterClrMapping/>
+  </p:clrMapOvr>
+</p:notes>
+</file>
+
+<file path=ppt/notesSlides/notesSlide14.xml><?xml version="1.0" encoding="utf-8"?>
+<p:notes xmlns:a="http://schemas.openxmlformats.org/drawingml/2006/main" xmlns:r="http://schemas.openxmlformats.org/officeDocument/2006/relationships" xmlns:p="http://schemas.openxmlformats.org/presentationml/2006/main" showMasterSp="0" showMasterPhAnim="0">
+  <p:cSld>
+    <p:spTree>
+      <p:nvGrpSpPr>
+        <p:cNvPr id="1" name="Shape 194"/>
+        <p:cNvGrpSpPr/>
+        <p:nvPr/>
+      </p:nvGrpSpPr>
+      <p:grpSpPr>
+        <a:xfrm>
+          <a:off x="0" y="0"/>
+          <a:ext cx="0" cy="0"/>
+          <a:chOff x="0" y="0"/>
+          <a:chExt cx="0" cy="0"/>
+        </a:xfrm>
+      </p:grpSpPr>
+      <p:sp>
+        <p:nvSpPr>
+          <p:cNvPr id="195" name="Google Shape;195;gd2144b668b_0_84:notes"/>
+          <p:cNvSpPr>
+            <a:spLocks noGrp="1" noRot="1" noChangeAspect="1"/>
+          </p:cNvSpPr>
+          <p:nvPr>
+            <p:ph type="sldImg" idx="2"/>
+          </p:nvPr>
+        </p:nvSpPr>
+        <p:spPr>
+          <a:xfrm>
+            <a:off x="381000" y="685800"/>
+            <a:ext cx="6096000" cy="3429000"/>
+          </a:xfrm>
+          <a:custGeom>
+            <a:avLst/>
+            <a:gdLst/>
+            <a:ahLst/>
+            <a:cxnLst/>
+            <a:rect l="l" t="t" r="r" b="b"/>
+            <a:pathLst>
+              <a:path w="120000" h="120000" extrusionOk="0">
+                <a:moveTo>
+                  <a:pt x="0" y="0"/>
+                </a:moveTo>
+                <a:lnTo>
+                  <a:pt x="120000" y="0"/>
+                </a:lnTo>
+                <a:lnTo>
+                  <a:pt x="120000" y="120000"/>
+                </a:lnTo>
+                <a:lnTo>
+                  <a:pt x="0" y="120000"/>
+                </a:lnTo>
+                <a:close/>
+              </a:path>
+            </a:pathLst>
+          </a:custGeom>
+        </p:spPr>
+      </p:sp>
+      <p:sp>
+        <p:nvSpPr>
+          <p:cNvPr id="196" name="Google Shape;196;gd2144b668b_0_84:notes"/>
+          <p:cNvSpPr txBox="1">
+            <a:spLocks noGrp="1"/>
+          </p:cNvSpPr>
+          <p:nvPr>
+            <p:ph type="body" idx="1"/>
+          </p:nvPr>
+        </p:nvSpPr>
+        <p:spPr>
+          <a:xfrm>
+            <a:off x="685800" y="4343400"/>
+            <a:ext cx="5486400" cy="4114800"/>
+          </a:xfrm>
+          <a:prstGeom prst="rect">
+            <a:avLst/>
+          </a:prstGeom>
+        </p:spPr>
+        <p:txBody>
+          <a:bodyPr spcFirstLastPara="1" wrap="square" lIns="91425" tIns="91425" rIns="91425" bIns="91425" anchor="t" anchorCtr="0">
+            <a:noAutofit/>
+          </a:bodyPr>
+          <a:lstStyle/>
+          <a:p>
+            <a:pPr marL="171450" indent="-171450">
+              <a:buFontTx/>
+              <a:buChar char="-"/>
+            </a:pPr>
+            <a:r>
+              <a:rPr lang="sr-Latn-RS" dirty="0"/>
+              <a:t>rešenje visoke dostupnosti na nivou instance, koje je izgrađeno </a:t>
+            </a:r>
+            <a:r>
+              <a:rPr lang="en-US" dirty="0" err="1"/>
+              <a:t>pomo</a:t>
+            </a:r>
+            <a:r>
+              <a:rPr lang="sr-Latn-RS" dirty="0"/>
+              <a:t>ću funkcionalnosti </a:t>
+            </a:r>
+            <a:r>
+              <a:rPr lang="en-US" dirty="0"/>
+              <a:t>W</a:t>
+            </a:r>
+            <a:r>
+              <a:rPr lang="sr-Latn-RS" dirty="0" err="1"/>
+              <a:t>indovs</a:t>
+            </a:r>
+            <a:r>
+              <a:rPr lang="sr-Latn-RS" dirty="0"/>
+              <a:t> Server </a:t>
+            </a:r>
+            <a:r>
+              <a:rPr lang="sr-Latn-RS" dirty="0" err="1"/>
+              <a:t>Failover</a:t>
+            </a:r>
+            <a:r>
+              <a:rPr lang="sr-Latn-RS" dirty="0"/>
+              <a:t> </a:t>
+            </a:r>
+            <a:r>
+              <a:rPr lang="sr-Latn-RS" dirty="0" err="1"/>
+              <a:t>Clustering</a:t>
+            </a:r>
+            <a:r>
+              <a:rPr lang="sr-Latn-RS" dirty="0"/>
+              <a:t> servisa. </a:t>
+            </a:r>
+          </a:p>
+          <a:p>
+            <a:pPr marL="171450" indent="-171450">
+              <a:buFontTx/>
+              <a:buChar char="-"/>
+            </a:pPr>
+            <a:r>
+              <a:rPr lang="sr-Latn-RS" dirty="0"/>
+              <a:t>Sastoji se od određenog broja servera, poznatih kao čvorovi klastera, koji imaju iste hardverske i softverske komponente, koji zajedno omogućavaju visoku dostupnost kroz redundantnost.</a:t>
+            </a:r>
+          </a:p>
+          <a:p>
+            <a:pPr marL="171450" indent="-171450">
+              <a:buFontTx/>
+              <a:buChar char="-"/>
+            </a:pPr>
+            <a:r>
+              <a:rPr lang="sr-Latn-RS" dirty="0"/>
+              <a:t>Kada se SQL Server </a:t>
+            </a:r>
+            <a:r>
+              <a:rPr lang="sr-Latn-RS" dirty="0" err="1"/>
+              <a:t>Failover</a:t>
+            </a:r>
+            <a:r>
+              <a:rPr lang="sr-Latn-RS" dirty="0"/>
+              <a:t> klaster konfiguriše i pokrene, usluge SQL servera i grupe resursa, </a:t>
+            </a:r>
+            <a:r>
+              <a:rPr lang="sr-Latn-RS" dirty="0" err="1"/>
+              <a:t>uključujući</a:t>
+            </a:r>
+            <a:r>
+              <a:rPr lang="sr-Latn-RS" dirty="0"/>
+              <a:t> deljenu memoriju, mrežno ime i virtuelne IP adrese, mogu biti u vlasništvu samo jednog od čvorova klastera u datom trenutku.</a:t>
+            </a:r>
+          </a:p>
+          <a:p>
+            <a:pPr marL="171450" indent="-171450">
+              <a:buFontTx/>
+              <a:buChar char="-"/>
+            </a:pPr>
+            <a:r>
+              <a:rPr lang="sr-Latn-RS" dirty="0"/>
+              <a:t>Ako se na aktivnom čvoru koji poseduje resurse i ima podignutu instancu SQL servera, došlo do bilo kakvog kvara, poput kvara operativnog sistema, hardvera ili usluge, ili </a:t>
+            </a:r>
+            <a:r>
+              <a:rPr lang="sr-Latn-RS" dirty="0" err="1"/>
+              <a:t>će</a:t>
+            </a:r>
+            <a:r>
+              <a:rPr lang="sr-Latn-RS" dirty="0"/>
+              <a:t> se izvršiti planirano ponovno pokretanje ili nadogradnja tog aktivnog čvora, vlasništvo nad resursima </a:t>
+            </a:r>
+            <a:r>
+              <a:rPr lang="sr-Latn-RS" dirty="0" err="1"/>
+              <a:t>biće</a:t>
+            </a:r>
+            <a:r>
+              <a:rPr lang="sr-Latn-RS" dirty="0"/>
+              <a:t> u potpunosti premeštena u drugi čvor klastera, gde </a:t>
+            </a:r>
+            <a:r>
+              <a:rPr lang="sr-Latn-RS" dirty="0" err="1"/>
+              <a:t>će</a:t>
+            </a:r>
+            <a:r>
+              <a:rPr lang="sr-Latn-RS" dirty="0"/>
+              <a:t> instanca SQL Servera biti </a:t>
+            </a:r>
+            <a:r>
+              <a:rPr lang="sr-Latn-RS" dirty="0" err="1"/>
+              <a:t>offline</a:t>
+            </a:r>
+            <a:r>
+              <a:rPr lang="sr-Latn-RS" dirty="0"/>
+              <a:t> na prethodnom aktivnom čvoru, a zatim dovedena </a:t>
+            </a:r>
+            <a:r>
+              <a:rPr lang="sr-Latn-RS" dirty="0" err="1"/>
+              <a:t>online</a:t>
+            </a:r>
+            <a:r>
+              <a:rPr lang="sr-Latn-RS" dirty="0"/>
+              <a:t> na novom čvoru koji je vlasnik grupe resursa.</a:t>
+            </a:r>
+          </a:p>
+        </p:txBody>
+      </p:sp>
+    </p:spTree>
+    <p:extLst>
+      <p:ext uri="{BB962C8B-B14F-4D97-AF65-F5344CB8AC3E}">
+        <p14:creationId xmlns:p14="http://schemas.microsoft.com/office/powerpoint/2010/main" val="1913702382"/>
+      </p:ext>
+    </p:extLst>
+  </p:cSld>
+  <p:clrMapOvr>
+    <a:masterClrMapping/>
+  </p:clrMapOvr>
+</p:notes>
+</file>
+
+<file path=ppt/notesSlides/notesSlide15.xml><?xml version="1.0" encoding="utf-8"?>
+<p:notes xmlns:a="http://schemas.openxmlformats.org/drawingml/2006/main" xmlns:r="http://schemas.openxmlformats.org/officeDocument/2006/relationships" xmlns:p="http://schemas.openxmlformats.org/presentationml/2006/main" showMasterSp="0" showMasterPhAnim="0">
+  <p:cSld>
+    <p:spTree>
+      <p:nvGrpSpPr>
+        <p:cNvPr id="1" name="Shape 194"/>
+        <p:cNvGrpSpPr/>
+        <p:nvPr/>
+      </p:nvGrpSpPr>
+      <p:grpSpPr>
+        <a:xfrm>
+          <a:off x="0" y="0"/>
+          <a:ext cx="0" cy="0"/>
+          <a:chOff x="0" y="0"/>
+          <a:chExt cx="0" cy="0"/>
+        </a:xfrm>
+      </p:grpSpPr>
+      <p:sp>
+        <p:nvSpPr>
+          <p:cNvPr id="195" name="Google Shape;195;gd2144b668b_0_84:notes"/>
+          <p:cNvSpPr>
+            <a:spLocks noGrp="1" noRot="1" noChangeAspect="1"/>
+          </p:cNvSpPr>
+          <p:nvPr>
+            <p:ph type="sldImg" idx="2"/>
+          </p:nvPr>
+        </p:nvSpPr>
+        <p:spPr>
+          <a:xfrm>
+            <a:off x="381000" y="685800"/>
+            <a:ext cx="6096000" cy="3429000"/>
+          </a:xfrm>
+          <a:custGeom>
+            <a:avLst/>
+            <a:gdLst/>
+            <a:ahLst/>
+            <a:cxnLst/>
+            <a:rect l="l" t="t" r="r" b="b"/>
+            <a:pathLst>
+              <a:path w="120000" h="120000" extrusionOk="0">
+                <a:moveTo>
+                  <a:pt x="0" y="0"/>
+                </a:moveTo>
+                <a:lnTo>
+                  <a:pt x="120000" y="0"/>
+                </a:lnTo>
+                <a:lnTo>
+                  <a:pt x="120000" y="120000"/>
+                </a:lnTo>
+                <a:lnTo>
+                  <a:pt x="0" y="120000"/>
+                </a:lnTo>
+                <a:close/>
+              </a:path>
+            </a:pathLst>
+          </a:custGeom>
+        </p:spPr>
+      </p:sp>
+      <p:sp>
+        <p:nvSpPr>
+          <p:cNvPr id="196" name="Google Shape;196;gd2144b668b_0_84:notes"/>
+          <p:cNvSpPr txBox="1">
+            <a:spLocks noGrp="1"/>
+          </p:cNvSpPr>
+          <p:nvPr>
+            <p:ph type="body" idx="1"/>
+          </p:nvPr>
+        </p:nvSpPr>
+        <p:spPr>
+          <a:xfrm>
+            <a:off x="685800" y="4343400"/>
+            <a:ext cx="5486400" cy="4114800"/>
+          </a:xfrm>
+          <a:prstGeom prst="rect">
+            <a:avLst/>
+          </a:prstGeom>
+        </p:spPr>
+        <p:txBody>
+          <a:bodyPr spcFirstLastPara="1" wrap="square" lIns="91425" tIns="91425" rIns="91425" bIns="91425" anchor="t" anchorCtr="0">
+            <a:noAutofit/>
+          </a:bodyPr>
+          <a:lstStyle/>
+          <a:p>
+            <a:pPr marL="171450" indent="-171450">
+              <a:buFontTx/>
+              <a:buChar char="-"/>
+            </a:pPr>
+            <a:endParaRPr lang="sr-Latn-RS" dirty="0"/>
+          </a:p>
+        </p:txBody>
+      </p:sp>
+    </p:spTree>
+    <p:extLst>
+      <p:ext uri="{BB962C8B-B14F-4D97-AF65-F5344CB8AC3E}">
+        <p14:creationId xmlns:p14="http://schemas.microsoft.com/office/powerpoint/2010/main" val="1526253893"/>
+      </p:ext>
+    </p:extLst>
+  </p:cSld>
+  <p:clrMapOvr>
+    <a:masterClrMapping/>
+  </p:clrMapOvr>
+</p:notes>
+</file>
+
+<file path=ppt/notesSlides/notesSlide16.xml><?xml version="1.0" encoding="utf-8"?>
+<p:notes xmlns:a="http://schemas.openxmlformats.org/drawingml/2006/main" xmlns:r="http://schemas.openxmlformats.org/officeDocument/2006/relationships" xmlns:p="http://schemas.openxmlformats.org/presentationml/2006/main" showMasterSp="0" showMasterPhAnim="0">
+  <p:cSld>
+    <p:spTree>
+      <p:nvGrpSpPr>
         <p:cNvPr id="1" name="Shape 243"/>
         <p:cNvGrpSpPr/>
         <p:nvPr/>
@@ -7666,7 +8283,7 @@
           <a:p>
             <a:fld id="{1291C984-5149-4D09-8C21-6D6E78693D00}" type="datetimeFigureOut">
               <a:rPr lang="en-US" smtClean="0"/>
-              <a:t>28-Jun-21</a:t>
+              <a:t>07-Sep-21</a:t>
             </a:fld>
             <a:endParaRPr lang="en-US"/>
           </a:p>
@@ -7864,7 +8481,7 @@
           <a:p>
             <a:fld id="{1291C984-5149-4D09-8C21-6D6E78693D00}" type="datetimeFigureOut">
               <a:rPr lang="en-US" smtClean="0"/>
-              <a:t>28-Jun-21</a:t>
+              <a:t>07-Sep-21</a:t>
             </a:fld>
             <a:endParaRPr lang="en-US"/>
           </a:p>
@@ -8072,7 +8689,7 @@
           <a:p>
             <a:fld id="{1291C984-5149-4D09-8C21-6D6E78693D00}" type="datetimeFigureOut">
               <a:rPr lang="en-US" smtClean="0"/>
-              <a:t>28-Jun-21</a:t>
+              <a:t>07-Sep-21</a:t>
             </a:fld>
             <a:endParaRPr lang="en-US"/>
           </a:p>
@@ -9262,7 +9879,7 @@
           <a:p>
             <a:fld id="{1291C984-5149-4D09-8C21-6D6E78693D00}" type="datetimeFigureOut">
               <a:rPr lang="en-US" smtClean="0"/>
-              <a:t>28-Jun-21</a:t>
+              <a:t>07-Sep-21</a:t>
             </a:fld>
             <a:endParaRPr lang="en-US"/>
           </a:p>
@@ -9537,7 +10154,7 @@
           <a:p>
             <a:fld id="{1291C984-5149-4D09-8C21-6D6E78693D00}" type="datetimeFigureOut">
               <a:rPr lang="en-US" smtClean="0"/>
-              <a:t>28-Jun-21</a:t>
+              <a:t>07-Sep-21</a:t>
             </a:fld>
             <a:endParaRPr lang="en-US"/>
           </a:p>
@@ -9802,7 +10419,7 @@
           <a:p>
             <a:fld id="{1291C984-5149-4D09-8C21-6D6E78693D00}" type="datetimeFigureOut">
               <a:rPr lang="en-US" smtClean="0"/>
-              <a:t>28-Jun-21</a:t>
+              <a:t>07-Sep-21</a:t>
             </a:fld>
             <a:endParaRPr lang="en-US"/>
           </a:p>
@@ -10214,7 +10831,7 @@
           <a:p>
             <a:fld id="{1291C984-5149-4D09-8C21-6D6E78693D00}" type="datetimeFigureOut">
               <a:rPr lang="en-US" smtClean="0"/>
-              <a:t>28-Jun-21</a:t>
+              <a:t>07-Sep-21</a:t>
             </a:fld>
             <a:endParaRPr lang="en-US"/>
           </a:p>
@@ -10355,7 +10972,7 @@
           <a:p>
             <a:fld id="{1291C984-5149-4D09-8C21-6D6E78693D00}" type="datetimeFigureOut">
               <a:rPr lang="en-US" smtClean="0"/>
-              <a:t>28-Jun-21</a:t>
+              <a:t>07-Sep-21</a:t>
             </a:fld>
             <a:endParaRPr lang="en-US"/>
           </a:p>
@@ -10468,7 +11085,7 @@
           <a:p>
             <a:fld id="{1291C984-5149-4D09-8C21-6D6E78693D00}" type="datetimeFigureOut">
               <a:rPr lang="en-US" smtClean="0"/>
-              <a:t>28-Jun-21</a:t>
+              <a:t>07-Sep-21</a:t>
             </a:fld>
             <a:endParaRPr lang="en-US"/>
           </a:p>
@@ -10779,7 +11396,7 @@
           <a:p>
             <a:fld id="{1291C984-5149-4D09-8C21-6D6E78693D00}" type="datetimeFigureOut">
               <a:rPr lang="en-US" smtClean="0"/>
-              <a:t>28-Jun-21</a:t>
+              <a:t>07-Sep-21</a:t>
             </a:fld>
             <a:endParaRPr lang="en-US"/>
           </a:p>
@@ -11067,7 +11684,7 @@
           <a:p>
             <a:fld id="{1291C984-5149-4D09-8C21-6D6E78693D00}" type="datetimeFigureOut">
               <a:rPr lang="en-US" smtClean="0"/>
-              <a:t>28-Jun-21</a:t>
+              <a:t>07-Sep-21</a:t>
             </a:fld>
             <a:endParaRPr lang="en-US"/>
           </a:p>
@@ -11308,7 +11925,7 @@
           <a:p>
             <a:fld id="{1291C984-5149-4D09-8C21-6D6E78693D00}" type="datetimeFigureOut">
               <a:rPr lang="en-US" smtClean="0"/>
-              <a:t>28-Jun-21</a:t>
+              <a:t>07-Sep-21</a:t>
             </a:fld>
             <a:endParaRPr lang="en-US"/>
           </a:p>
@@ -13747,6 +14364,2010 @@
 <file path=ppt/slides/slide13.xml><?xml version="1.0" encoding="utf-8"?>
 <p:sld xmlns:a="http://schemas.openxmlformats.org/drawingml/2006/main" xmlns:r="http://schemas.openxmlformats.org/officeDocument/2006/relationships" xmlns:p="http://schemas.openxmlformats.org/presentationml/2006/main">
   <p:cSld>
+    <p:bg>
+      <p:bgPr>
+        <a:solidFill>
+          <a:schemeClr val="bg1"/>
+        </a:solidFill>
+        <a:effectLst/>
+      </p:bgPr>
+    </p:bg>
+    <p:spTree>
+      <p:nvGrpSpPr>
+        <p:cNvPr id="1" name="Shape 197"/>
+        <p:cNvGrpSpPr/>
+        <p:nvPr/>
+      </p:nvGrpSpPr>
+      <p:grpSpPr>
+        <a:xfrm>
+          <a:off x="0" y="0"/>
+          <a:ext cx="0" cy="0"/>
+          <a:chOff x="0" y="0"/>
+          <a:chExt cx="0" cy="0"/>
+        </a:xfrm>
+      </p:grpSpPr>
+      <p:sp>
+        <p:nvSpPr>
+          <p:cNvPr id="75" name="Rectangle 74">
+            <a:extLst>
+              <a:ext uri="{FF2B5EF4-FFF2-40B4-BE49-F238E27FC236}">
+                <a16:creationId xmlns:a16="http://schemas.microsoft.com/office/drawing/2014/main" id="{2B566528-1B12-4246-9431-5C2D7D081168}"/>
+              </a:ext>
+              <a:ext uri="{C183D7F6-B498-43B3-948B-1728B52AA6E4}">
+                <adec:decorative xmlns:adec="http://schemas.microsoft.com/office/drawing/2017/decorative" val="1"/>
+              </a:ext>
+            </a:extLst>
+          </p:cNvPr>
+          <p:cNvSpPr>
+            <a:spLocks noGrp="1" noRot="1" noChangeAspect="1" noMove="1" noResize="1" noEditPoints="1" noAdjustHandles="1" noChangeArrowheads="1" noChangeShapeType="1" noTextEdit="1"/>
+          </p:cNvSpPr>
+          <p:nvPr>
+            <p:extLst>
+              <p:ext uri="{386F3935-93C4-4BCD-93E2-E3B085C9AB24}">
+                <p16:designElem xmlns:p16="http://schemas.microsoft.com/office/powerpoint/2015/main" val="1"/>
+              </p:ext>
+            </p:extLst>
+          </p:nvPr>
+        </p:nvSpPr>
+        <p:spPr>
+          <a:xfrm>
+            <a:off x="0" y="0"/>
+            <a:ext cx="12192000" cy="6858000"/>
+          </a:xfrm>
+          <a:prstGeom prst="rect">
+            <a:avLst/>
+          </a:prstGeom>
+          <a:solidFill>
+            <a:schemeClr val="bg1"/>
+          </a:solidFill>
+          <a:ln>
+            <a:noFill/>
+          </a:ln>
+        </p:spPr>
+        <p:style>
+          <a:lnRef idx="2">
+            <a:schemeClr val="accent1">
+              <a:shade val="50000"/>
+            </a:schemeClr>
+          </a:lnRef>
+          <a:fillRef idx="1">
+            <a:schemeClr val="accent1"/>
+          </a:fillRef>
+          <a:effectRef idx="0">
+            <a:schemeClr val="accent1"/>
+          </a:effectRef>
+          <a:fontRef idx="minor">
+            <a:schemeClr val="lt1"/>
+          </a:fontRef>
+        </p:style>
+        <p:txBody>
+          <a:bodyPr rtlCol="0" anchor="ctr"/>
+          <a:lstStyle/>
+          <a:p>
+            <a:pPr algn="ctr"/>
+            <a:endParaRPr lang="en-US" dirty="0"/>
+          </a:p>
+        </p:txBody>
+      </p:sp>
+      <p:sp>
+        <p:nvSpPr>
+          <p:cNvPr id="198" name="Google Shape;198;p37"/>
+          <p:cNvSpPr txBox="1">
+            <a:spLocks noGrp="1"/>
+          </p:cNvSpPr>
+          <p:nvPr>
+            <p:ph type="title"/>
+          </p:nvPr>
+        </p:nvSpPr>
+        <p:spPr>
+          <a:xfrm>
+            <a:off x="643467" y="321734"/>
+            <a:ext cx="10905066" cy="1135737"/>
+          </a:xfrm>
+          <a:prstGeom prst="rect">
+            <a:avLst/>
+          </a:prstGeom>
+        </p:spPr>
+        <p:txBody>
+          <a:bodyPr spcFirstLastPara="1" vert="horz" lIns="91440" tIns="45720" rIns="91440" bIns="45720" rtlCol="0" anchor="ctr" anchorCtr="0">
+            <a:normAutofit/>
+          </a:bodyPr>
+          <a:lstStyle/>
+          <a:p>
+            <a:pPr>
+              <a:spcBef>
+                <a:spcPct val="0"/>
+              </a:spcBef>
+            </a:pPr>
+            <a:r>
+              <a:rPr lang="en-US" sz="3600" kern="1200">
+                <a:solidFill>
+                  <a:schemeClr val="tx1"/>
+                </a:solidFill>
+                <a:latin typeface="+mj-lt"/>
+                <a:ea typeface="+mj-ea"/>
+                <a:cs typeface="+mj-cs"/>
+              </a:rPr>
+              <a:t>HA re</a:t>
+            </a:r>
+            <a:r>
+              <a:rPr lang="sr-Latn-RS" sz="3600" kern="1200">
+                <a:solidFill>
+                  <a:schemeClr val="tx1"/>
+                </a:solidFill>
+                <a:latin typeface="+mj-lt"/>
+                <a:ea typeface="+mj-ea"/>
+                <a:cs typeface="+mj-cs"/>
+              </a:rPr>
+              <a:t>šenja </a:t>
+            </a:r>
+            <a:r>
+              <a:rPr lang="en-US" sz="3600" kern="1200">
+                <a:solidFill>
+                  <a:schemeClr val="tx1"/>
+                </a:solidFill>
+                <a:latin typeface="+mj-lt"/>
+                <a:ea typeface="+mj-ea"/>
+                <a:cs typeface="+mj-cs"/>
+              </a:rPr>
+              <a:t>u MS SQL Serveru</a:t>
+            </a:r>
+            <a:endParaRPr lang="en-US" sz="3600" kern="1200" dirty="0">
+              <a:solidFill>
+                <a:schemeClr val="tx1"/>
+              </a:solidFill>
+              <a:latin typeface="+mj-lt"/>
+              <a:ea typeface="+mj-ea"/>
+              <a:cs typeface="+mj-cs"/>
+            </a:endParaRPr>
+          </a:p>
+        </p:txBody>
+      </p:sp>
+      <p:sp>
+        <p:nvSpPr>
+          <p:cNvPr id="5" name="TextBox 4">
+            <a:extLst>
+              <a:ext uri="{FF2B5EF4-FFF2-40B4-BE49-F238E27FC236}">
+                <a16:creationId xmlns:a16="http://schemas.microsoft.com/office/drawing/2014/main" id="{6B5715EF-D93C-4430-BC72-E2C4FF2C903D}"/>
+              </a:ext>
+            </a:extLst>
+          </p:cNvPr>
+          <p:cNvSpPr txBox="1"/>
+          <p:nvPr/>
+        </p:nvSpPr>
+        <p:spPr>
+          <a:xfrm>
+            <a:off x="643469" y="1782981"/>
+            <a:ext cx="3979902" cy="4393982"/>
+          </a:xfrm>
+          <a:prstGeom prst="rect">
+            <a:avLst/>
+          </a:prstGeom>
+        </p:spPr>
+        <p:txBody>
+          <a:bodyPr vert="horz" lIns="91440" tIns="45720" rIns="91440" bIns="45720" rtlCol="0">
+            <a:normAutofit/>
+          </a:bodyPr>
+          <a:lstStyle/>
+          <a:p>
+            <a:pPr>
+              <a:lnSpc>
+                <a:spcPct val="90000"/>
+              </a:lnSpc>
+              <a:spcAft>
+                <a:spcPts val="600"/>
+              </a:spcAft>
+            </a:pPr>
+            <a:r>
+              <a:rPr lang="sr-Latn-RS" sz="2000" dirty="0"/>
+              <a:t>Najkorišćenija HA rešenja</a:t>
+            </a:r>
+            <a:r>
+              <a:rPr lang="en-US" sz="2000" dirty="0"/>
+              <a:t>:</a:t>
+            </a:r>
+          </a:p>
+          <a:p>
+            <a:pPr marL="342900" indent="-342900">
+              <a:lnSpc>
+                <a:spcPct val="90000"/>
+              </a:lnSpc>
+              <a:spcAft>
+                <a:spcPts val="600"/>
+              </a:spcAft>
+              <a:buFont typeface="Arial" panose="020B0604020202020204" pitchFamily="34" charset="0"/>
+              <a:buChar char="•"/>
+            </a:pPr>
+            <a:r>
+              <a:rPr lang="en-US" sz="2000" b="1" dirty="0"/>
+              <a:t>Mirroring</a:t>
+            </a:r>
+          </a:p>
+          <a:p>
+            <a:pPr marL="342900" indent="-342900">
+              <a:lnSpc>
+                <a:spcPct val="90000"/>
+              </a:lnSpc>
+              <a:spcAft>
+                <a:spcPts val="600"/>
+              </a:spcAft>
+              <a:buFont typeface="Arial" panose="020B0604020202020204" pitchFamily="34" charset="0"/>
+              <a:buChar char="•"/>
+            </a:pPr>
+            <a:r>
+              <a:rPr lang="sr-Latn-RS" sz="2000" dirty="0"/>
+              <a:t>„</a:t>
+            </a:r>
+            <a:r>
+              <a:rPr lang="sr-Latn-RS" sz="2000" dirty="0" err="1"/>
+              <a:t>Always</a:t>
+            </a:r>
+            <a:r>
+              <a:rPr lang="sr-Latn-RS" sz="2000" dirty="0"/>
+              <a:t> On“ </a:t>
+            </a:r>
+            <a:r>
+              <a:rPr lang="sr-Latn-RS" sz="2000" dirty="0" err="1"/>
+              <a:t>Failover</a:t>
+            </a:r>
+            <a:r>
+              <a:rPr lang="sr-Latn-RS" sz="2000" dirty="0"/>
+              <a:t> </a:t>
+            </a:r>
+            <a:r>
+              <a:rPr lang="sr-Latn-RS" sz="2000" dirty="0" err="1"/>
+              <a:t>Clustering</a:t>
+            </a:r>
+            <a:endParaRPr lang="sr-Latn-RS" sz="2000" dirty="0"/>
+          </a:p>
+          <a:p>
+            <a:pPr marL="342900" indent="-342900">
+              <a:lnSpc>
+                <a:spcPct val="90000"/>
+              </a:lnSpc>
+              <a:spcAft>
+                <a:spcPts val="600"/>
+              </a:spcAft>
+              <a:buFont typeface="Arial" panose="020B0604020202020204" pitchFamily="34" charset="0"/>
+              <a:buChar char="•"/>
+            </a:pPr>
+            <a:r>
+              <a:rPr lang="sr-Latn-RS" sz="2000" dirty="0"/>
+              <a:t>„</a:t>
+            </a:r>
+            <a:r>
+              <a:rPr lang="sr-Latn-RS" sz="2000" dirty="0" err="1"/>
+              <a:t>Always</a:t>
+            </a:r>
+            <a:r>
+              <a:rPr lang="sr-Latn-RS" sz="2000" dirty="0"/>
+              <a:t> On“ </a:t>
+            </a:r>
+            <a:r>
+              <a:rPr lang="sr-Latn-RS" sz="2000" dirty="0" err="1"/>
+              <a:t>Availability</a:t>
+            </a:r>
+            <a:r>
+              <a:rPr lang="sr-Latn-RS" sz="2000" dirty="0"/>
+              <a:t> </a:t>
+            </a:r>
+            <a:r>
+              <a:rPr lang="sr-Latn-RS" sz="2000" dirty="0" err="1"/>
+              <a:t>Groups</a:t>
+            </a:r>
+            <a:endParaRPr lang="en-US" sz="2000" dirty="0"/>
+          </a:p>
+          <a:p>
+            <a:pPr marL="285750" indent="-228600">
+              <a:lnSpc>
+                <a:spcPct val="90000"/>
+              </a:lnSpc>
+              <a:spcAft>
+                <a:spcPts val="600"/>
+              </a:spcAft>
+              <a:buFont typeface="Arial" panose="020B0604020202020204" pitchFamily="34" charset="0"/>
+              <a:buChar char="•"/>
+            </a:pPr>
+            <a:endParaRPr lang="en-US" sz="2000" dirty="0"/>
+          </a:p>
+        </p:txBody>
+      </p:sp>
+      <p:grpSp>
+        <p:nvGrpSpPr>
+          <p:cNvPr id="77" name="Group 76">
+            <a:extLst>
+              <a:ext uri="{FF2B5EF4-FFF2-40B4-BE49-F238E27FC236}">
+                <a16:creationId xmlns:a16="http://schemas.microsoft.com/office/drawing/2014/main" id="{828A5161-06F1-46CF-8AD7-844680A59E13}"/>
+              </a:ext>
+              <a:ext uri="{C183D7F6-B498-43B3-948B-1728B52AA6E4}">
+                <adec:decorative xmlns:adec="http://schemas.microsoft.com/office/drawing/2017/decorative" val="1"/>
+              </a:ext>
+            </a:extLst>
+          </p:cNvPr>
+          <p:cNvGrpSpPr>
+            <a:grpSpLocks noGrp="1" noUngrp="1" noRot="1" noChangeAspect="1" noMove="1" noResize="1"/>
+          </p:cNvGrpSpPr>
+          <p:nvPr>
+            <p:extLst>
+              <p:ext uri="{386F3935-93C4-4BCD-93E2-E3B085C9AB24}">
+                <p16:designElem xmlns:p16="http://schemas.microsoft.com/office/powerpoint/2015/main" val="1"/>
+              </p:ext>
+            </p:extLst>
+          </p:nvPr>
+        </p:nvGrpSpPr>
+        <p:grpSpPr>
+          <a:xfrm>
+            <a:off x="0" y="4601497"/>
+            <a:ext cx="1014060" cy="2017580"/>
+            <a:chOff x="0" y="4601497"/>
+            <a:chExt cx="1014060" cy="2017580"/>
+          </a:xfrm>
+        </p:grpSpPr>
+        <p:sp>
+          <p:nvSpPr>
+            <p:cNvPr id="78" name="Isosceles Triangle 77">
+              <a:extLst>
+                <a:ext uri="{FF2B5EF4-FFF2-40B4-BE49-F238E27FC236}">
+                  <a16:creationId xmlns:a16="http://schemas.microsoft.com/office/drawing/2014/main" id="{D3F51FEB-38FB-4F6C-9F7B-2F2AFAB65463}"/>
+                </a:ext>
+                <a:ext uri="{C183D7F6-B498-43B3-948B-1728B52AA6E4}">
+                  <adec:decorative xmlns:adec="http://schemas.microsoft.com/office/drawing/2017/decorative" val="1"/>
+                </a:ext>
+              </a:extLst>
+            </p:cNvPr>
+            <p:cNvSpPr/>
+            <p:nvPr>
+              <p:extLst>
+                <p:ext uri="{386F3935-93C4-4BCD-93E2-E3B085C9AB24}">
+                  <p16:designElem xmlns:p16="http://schemas.microsoft.com/office/powerpoint/2015/main" val="1"/>
+                </p:ext>
+              </p:extLst>
+            </p:nvPr>
+          </p:nvSpPr>
+          <p:spPr>
+            <a:xfrm rot="5400000">
+              <a:off x="-501760" y="5103257"/>
+              <a:ext cx="2017580" cy="1014060"/>
+            </a:xfrm>
+            <a:prstGeom prst="triangle">
+              <a:avLst>
+                <a:gd name="adj" fmla="val 50000"/>
+              </a:avLst>
+            </a:prstGeom>
+            <a:solidFill>
+              <a:schemeClr val="accent1">
+                <a:alpha val="30000"/>
+              </a:schemeClr>
+            </a:solidFill>
+            <a:ln>
+              <a:noFill/>
+            </a:ln>
+          </p:spPr>
+          <p:style>
+            <a:lnRef idx="2">
+              <a:schemeClr val="accent1">
+                <a:shade val="50000"/>
+              </a:schemeClr>
+            </a:lnRef>
+            <a:fillRef idx="1">
+              <a:schemeClr val="accent1"/>
+            </a:fillRef>
+            <a:effectRef idx="0">
+              <a:schemeClr val="accent1"/>
+            </a:effectRef>
+            <a:fontRef idx="minor">
+              <a:schemeClr val="lt1"/>
+            </a:fontRef>
+          </p:style>
+          <p:txBody>
+            <a:bodyPr rtlCol="0" anchor="ctr"/>
+            <a:lstStyle/>
+            <a:p>
+              <a:pPr algn="ctr"/>
+              <a:endParaRPr lang="en-US"/>
+            </a:p>
+          </p:txBody>
+        </p:sp>
+        <p:sp>
+          <p:nvSpPr>
+            <p:cNvPr id="79" name="Rectangle 78">
+              <a:extLst>
+                <a:ext uri="{FF2B5EF4-FFF2-40B4-BE49-F238E27FC236}">
+                  <a16:creationId xmlns:a16="http://schemas.microsoft.com/office/drawing/2014/main" id="{1E547BA6-BAE0-43BB-A7CA-60F69CE252F0}"/>
+                </a:ext>
+                <a:ext uri="{C183D7F6-B498-43B3-948B-1728B52AA6E4}">
+                  <adec:decorative xmlns:adec="http://schemas.microsoft.com/office/drawing/2017/decorative" val="1"/>
+                </a:ext>
+              </a:extLst>
+            </p:cNvPr>
+            <p:cNvSpPr/>
+            <p:nvPr>
+              <p:extLst>
+                <p:ext uri="{386F3935-93C4-4BCD-93E2-E3B085C9AB24}">
+                  <p16:designElem xmlns:p16="http://schemas.microsoft.com/office/powerpoint/2015/main" val="1"/>
+                </p:ext>
+              </p:extLst>
+            </p:nvPr>
+          </p:nvSpPr>
+          <p:spPr>
+            <a:xfrm rot="2700000">
+              <a:off x="427916" y="5728708"/>
+              <a:ext cx="485578" cy="485578"/>
+            </a:xfrm>
+            <a:prstGeom prst="rect">
+              <a:avLst/>
+            </a:prstGeom>
+            <a:solidFill>
+              <a:schemeClr val="accent1">
+                <a:alpha val="30000"/>
+              </a:schemeClr>
+            </a:solidFill>
+            <a:ln>
+              <a:noFill/>
+            </a:ln>
+          </p:spPr>
+          <p:style>
+            <a:lnRef idx="2">
+              <a:schemeClr val="accent1">
+                <a:shade val="50000"/>
+              </a:schemeClr>
+            </a:lnRef>
+            <a:fillRef idx="1">
+              <a:schemeClr val="accent1"/>
+            </a:fillRef>
+            <a:effectRef idx="0">
+              <a:schemeClr val="accent1"/>
+            </a:effectRef>
+            <a:fontRef idx="minor">
+              <a:schemeClr val="lt1"/>
+            </a:fontRef>
+          </p:style>
+          <p:txBody>
+            <a:bodyPr rtlCol="0" anchor="ctr"/>
+            <a:lstStyle/>
+            <a:p>
+              <a:pPr algn="ctr"/>
+              <a:endParaRPr lang="en-US"/>
+            </a:p>
+          </p:txBody>
+        </p:sp>
+      </p:grpSp>
+      <p:grpSp>
+        <p:nvGrpSpPr>
+          <p:cNvPr id="81" name="Group 80">
+            <a:extLst>
+              <a:ext uri="{FF2B5EF4-FFF2-40B4-BE49-F238E27FC236}">
+                <a16:creationId xmlns:a16="http://schemas.microsoft.com/office/drawing/2014/main" id="{5995D10D-E9C9-47DB-AE7E-801FEF38F5C9}"/>
+              </a:ext>
+              <a:ext uri="{C183D7F6-B498-43B3-948B-1728B52AA6E4}">
+                <adec:decorative xmlns:adec="http://schemas.microsoft.com/office/drawing/2017/decorative" val="1"/>
+              </a:ext>
+            </a:extLst>
+          </p:cNvPr>
+          <p:cNvGrpSpPr>
+            <a:grpSpLocks noGrp="1" noUngrp="1" noRot="1" noChangeAspect="1" noMove="1" noResize="1"/>
+          </p:cNvGrpSpPr>
+          <p:nvPr>
+            <p:extLst>
+              <p:ext uri="{386F3935-93C4-4BCD-93E2-E3B085C9AB24}">
+                <p16:designElem xmlns:p16="http://schemas.microsoft.com/office/powerpoint/2015/main" val="1"/>
+              </p:ext>
+            </p:extLst>
+          </p:nvPr>
+        </p:nvGrpSpPr>
+        <p:grpSpPr>
+          <a:xfrm>
+            <a:off x="11219290" y="1"/>
+            <a:ext cx="972709" cy="1935307"/>
+            <a:chOff x="10918968" y="713127"/>
+            <a:chExt cx="1273032" cy="2532832"/>
+          </a:xfrm>
+        </p:grpSpPr>
+        <p:sp>
+          <p:nvSpPr>
+            <p:cNvPr id="82" name="Rectangle 81">
+              <a:extLst>
+                <a:ext uri="{FF2B5EF4-FFF2-40B4-BE49-F238E27FC236}">
+                  <a16:creationId xmlns:a16="http://schemas.microsoft.com/office/drawing/2014/main" id="{CC1A72C6-3DE4-4EC3-9AD5-9E0D40D8CE8A}"/>
+                </a:ext>
+                <a:ext uri="{C183D7F6-B498-43B3-948B-1728B52AA6E4}">
+                  <adec:decorative xmlns:adec="http://schemas.microsoft.com/office/drawing/2017/decorative" val="1"/>
+                </a:ext>
+              </a:extLst>
+            </p:cNvPr>
+            <p:cNvSpPr/>
+            <p:nvPr>
+              <p:extLst>
+                <p:ext uri="{386F3935-93C4-4BCD-93E2-E3B085C9AB24}">
+                  <p16:designElem xmlns:p16="http://schemas.microsoft.com/office/powerpoint/2015/main" val="1"/>
+                </p:ext>
+              </p:extLst>
+            </p:nvPr>
+          </p:nvSpPr>
+          <p:spPr>
+            <a:xfrm rot="2700000">
+              <a:off x="11052629" y="2120024"/>
+              <a:ext cx="645368" cy="645368"/>
+            </a:xfrm>
+            <a:prstGeom prst="rect">
+              <a:avLst/>
+            </a:prstGeom>
+            <a:solidFill>
+              <a:schemeClr val="accent4">
+                <a:alpha val="30000"/>
+              </a:schemeClr>
+            </a:solidFill>
+            <a:ln>
+              <a:noFill/>
+            </a:ln>
+          </p:spPr>
+          <p:style>
+            <a:lnRef idx="2">
+              <a:schemeClr val="accent1">
+                <a:shade val="50000"/>
+              </a:schemeClr>
+            </a:lnRef>
+            <a:fillRef idx="1">
+              <a:schemeClr val="accent1"/>
+            </a:fillRef>
+            <a:effectRef idx="0">
+              <a:schemeClr val="accent1"/>
+            </a:effectRef>
+            <a:fontRef idx="minor">
+              <a:schemeClr val="lt1"/>
+            </a:fontRef>
+          </p:style>
+          <p:txBody>
+            <a:bodyPr rtlCol="0" anchor="ctr"/>
+            <a:lstStyle/>
+            <a:p>
+              <a:pPr algn="ctr"/>
+              <a:endParaRPr lang="en-US"/>
+            </a:p>
+          </p:txBody>
+        </p:sp>
+        <p:sp>
+          <p:nvSpPr>
+            <p:cNvPr id="83" name="Isosceles Triangle 82">
+              <a:extLst>
+                <a:ext uri="{FF2B5EF4-FFF2-40B4-BE49-F238E27FC236}">
+                  <a16:creationId xmlns:a16="http://schemas.microsoft.com/office/drawing/2014/main" id="{0B0DA1F1-C391-4EDF-9FE0-23E86E137765}"/>
+                </a:ext>
+                <a:ext uri="{C183D7F6-B498-43B3-948B-1728B52AA6E4}">
+                  <adec:decorative xmlns:adec="http://schemas.microsoft.com/office/drawing/2017/decorative" val="1"/>
+                </a:ext>
+              </a:extLst>
+            </p:cNvPr>
+            <p:cNvSpPr/>
+            <p:nvPr>
+              <p:extLst>
+                <p:ext uri="{386F3935-93C4-4BCD-93E2-E3B085C9AB24}">
+                  <p16:designElem xmlns:p16="http://schemas.microsoft.com/office/powerpoint/2015/main" val="1"/>
+                </p:ext>
+              </p:extLst>
+            </p:nvPr>
+          </p:nvSpPr>
+          <p:spPr>
+            <a:xfrm rot="16200000">
+              <a:off x="10289068" y="1343027"/>
+              <a:ext cx="2532832" cy="1273032"/>
+            </a:xfrm>
+            <a:prstGeom prst="triangle">
+              <a:avLst>
+                <a:gd name="adj" fmla="val 50000"/>
+              </a:avLst>
+            </a:prstGeom>
+            <a:solidFill>
+              <a:schemeClr val="accent4">
+                <a:alpha val="30000"/>
+              </a:schemeClr>
+            </a:solidFill>
+            <a:ln>
+              <a:noFill/>
+            </a:ln>
+          </p:spPr>
+          <p:style>
+            <a:lnRef idx="2">
+              <a:schemeClr val="accent1">
+                <a:shade val="50000"/>
+              </a:schemeClr>
+            </a:lnRef>
+            <a:fillRef idx="1">
+              <a:schemeClr val="accent1"/>
+            </a:fillRef>
+            <a:effectRef idx="0">
+              <a:schemeClr val="accent1"/>
+            </a:effectRef>
+            <a:fontRef idx="minor">
+              <a:schemeClr val="lt1"/>
+            </a:fontRef>
+          </p:style>
+          <p:txBody>
+            <a:bodyPr rtlCol="0" anchor="ctr"/>
+            <a:lstStyle/>
+            <a:p>
+              <a:pPr algn="ctr"/>
+              <a:endParaRPr lang="en-US" dirty="0"/>
+            </a:p>
+          </p:txBody>
+        </p:sp>
+      </p:grpSp>
+      <p:pic>
+        <p:nvPicPr>
+          <p:cNvPr id="3" name="Picture 2" descr="Diagram&#10;&#10;Description automatically generated">
+            <a:extLst>
+              <a:ext uri="{FF2B5EF4-FFF2-40B4-BE49-F238E27FC236}">
+                <a16:creationId xmlns:a16="http://schemas.microsoft.com/office/drawing/2014/main" id="{AB6BF1E2-9100-4E66-8C4F-C58B38610BD8}"/>
+              </a:ext>
+            </a:extLst>
+          </p:cNvPr>
+          <p:cNvPicPr>
+            <a:picLocks noChangeAspect="1"/>
+          </p:cNvPicPr>
+          <p:nvPr/>
+        </p:nvPicPr>
+        <p:blipFill>
+          <a:blip r:embed="rId3">
+            <a:extLst>
+              <a:ext uri="{28A0092B-C50C-407E-A947-70E740481C1C}">
+                <a14:useLocalDpi xmlns:a14="http://schemas.microsoft.com/office/drawing/2010/main" val="0"/>
+              </a:ext>
+            </a:extLst>
+          </a:blip>
+          <a:stretch>
+            <a:fillRect/>
+          </a:stretch>
+        </p:blipFill>
+        <p:spPr>
+          <a:xfrm>
+            <a:off x="7742664" y="889602"/>
+            <a:ext cx="3476625" cy="3648075"/>
+          </a:xfrm>
+          <a:prstGeom prst="rect">
+            <a:avLst/>
+          </a:prstGeom>
+        </p:spPr>
+      </p:pic>
+    </p:spTree>
+    <p:extLst>
+      <p:ext uri="{BB962C8B-B14F-4D97-AF65-F5344CB8AC3E}">
+        <p14:creationId xmlns:p14="http://schemas.microsoft.com/office/powerpoint/2010/main" val="2492405127"/>
+      </p:ext>
+    </p:extLst>
+  </p:cSld>
+  <p:clrMapOvr>
+    <a:masterClrMapping/>
+  </p:clrMapOvr>
+</p:sld>
+</file>
+
+<file path=ppt/slides/slide14.xml><?xml version="1.0" encoding="utf-8"?>
+<p:sld xmlns:a="http://schemas.openxmlformats.org/drawingml/2006/main" xmlns:r="http://schemas.openxmlformats.org/officeDocument/2006/relationships" xmlns:p="http://schemas.openxmlformats.org/presentationml/2006/main">
+  <p:cSld>
+    <p:bg>
+      <p:bgPr>
+        <a:solidFill>
+          <a:schemeClr val="bg1"/>
+        </a:solidFill>
+        <a:effectLst/>
+      </p:bgPr>
+    </p:bg>
+    <p:spTree>
+      <p:nvGrpSpPr>
+        <p:cNvPr id="1" name="Shape 197"/>
+        <p:cNvGrpSpPr/>
+        <p:nvPr/>
+      </p:nvGrpSpPr>
+      <p:grpSpPr>
+        <a:xfrm>
+          <a:off x="0" y="0"/>
+          <a:ext cx="0" cy="0"/>
+          <a:chOff x="0" y="0"/>
+          <a:chExt cx="0" cy="0"/>
+        </a:xfrm>
+      </p:grpSpPr>
+      <p:sp>
+        <p:nvSpPr>
+          <p:cNvPr id="75" name="Rectangle 74">
+            <a:extLst>
+              <a:ext uri="{FF2B5EF4-FFF2-40B4-BE49-F238E27FC236}">
+                <a16:creationId xmlns:a16="http://schemas.microsoft.com/office/drawing/2014/main" id="{2B566528-1B12-4246-9431-5C2D7D081168}"/>
+              </a:ext>
+              <a:ext uri="{C183D7F6-B498-43B3-948B-1728B52AA6E4}">
+                <adec:decorative xmlns:adec="http://schemas.microsoft.com/office/drawing/2017/decorative" val="1"/>
+              </a:ext>
+            </a:extLst>
+          </p:cNvPr>
+          <p:cNvSpPr>
+            <a:spLocks noGrp="1" noRot="1" noChangeAspect="1" noMove="1" noResize="1" noEditPoints="1" noAdjustHandles="1" noChangeArrowheads="1" noChangeShapeType="1" noTextEdit="1"/>
+          </p:cNvSpPr>
+          <p:nvPr>
+            <p:extLst>
+              <p:ext uri="{386F3935-93C4-4BCD-93E2-E3B085C9AB24}">
+                <p16:designElem xmlns:p16="http://schemas.microsoft.com/office/powerpoint/2015/main" val="1"/>
+              </p:ext>
+            </p:extLst>
+          </p:nvPr>
+        </p:nvSpPr>
+        <p:spPr>
+          <a:xfrm>
+            <a:off x="0" y="0"/>
+            <a:ext cx="12192000" cy="6858000"/>
+          </a:xfrm>
+          <a:prstGeom prst="rect">
+            <a:avLst/>
+          </a:prstGeom>
+          <a:solidFill>
+            <a:schemeClr val="bg1"/>
+          </a:solidFill>
+          <a:ln>
+            <a:noFill/>
+          </a:ln>
+        </p:spPr>
+        <p:style>
+          <a:lnRef idx="2">
+            <a:schemeClr val="accent1">
+              <a:shade val="50000"/>
+            </a:schemeClr>
+          </a:lnRef>
+          <a:fillRef idx="1">
+            <a:schemeClr val="accent1"/>
+          </a:fillRef>
+          <a:effectRef idx="0">
+            <a:schemeClr val="accent1"/>
+          </a:effectRef>
+          <a:fontRef idx="minor">
+            <a:schemeClr val="lt1"/>
+          </a:fontRef>
+        </p:style>
+        <p:txBody>
+          <a:bodyPr rtlCol="0" anchor="ctr"/>
+          <a:lstStyle/>
+          <a:p>
+            <a:pPr algn="ctr"/>
+            <a:endParaRPr lang="en-US" dirty="0"/>
+          </a:p>
+        </p:txBody>
+      </p:sp>
+      <p:sp>
+        <p:nvSpPr>
+          <p:cNvPr id="198" name="Google Shape;198;p37"/>
+          <p:cNvSpPr txBox="1">
+            <a:spLocks noGrp="1"/>
+          </p:cNvSpPr>
+          <p:nvPr>
+            <p:ph type="title"/>
+          </p:nvPr>
+        </p:nvSpPr>
+        <p:spPr>
+          <a:xfrm>
+            <a:off x="643467" y="321734"/>
+            <a:ext cx="10905066" cy="1135737"/>
+          </a:xfrm>
+          <a:prstGeom prst="rect">
+            <a:avLst/>
+          </a:prstGeom>
+        </p:spPr>
+        <p:txBody>
+          <a:bodyPr spcFirstLastPara="1" vert="horz" lIns="91440" tIns="45720" rIns="91440" bIns="45720" rtlCol="0" anchor="ctr" anchorCtr="0">
+            <a:normAutofit/>
+          </a:bodyPr>
+          <a:lstStyle/>
+          <a:p>
+            <a:pPr>
+              <a:spcBef>
+                <a:spcPct val="0"/>
+              </a:spcBef>
+            </a:pPr>
+            <a:r>
+              <a:rPr lang="en-US" sz="3600" kern="1200">
+                <a:solidFill>
+                  <a:schemeClr val="tx1"/>
+                </a:solidFill>
+                <a:latin typeface="+mj-lt"/>
+                <a:ea typeface="+mj-ea"/>
+                <a:cs typeface="+mj-cs"/>
+              </a:rPr>
+              <a:t>HA re</a:t>
+            </a:r>
+            <a:r>
+              <a:rPr lang="sr-Latn-RS" sz="3600" kern="1200">
+                <a:solidFill>
+                  <a:schemeClr val="tx1"/>
+                </a:solidFill>
+                <a:latin typeface="+mj-lt"/>
+                <a:ea typeface="+mj-ea"/>
+                <a:cs typeface="+mj-cs"/>
+              </a:rPr>
+              <a:t>šenja </a:t>
+            </a:r>
+            <a:r>
+              <a:rPr lang="en-US" sz="3600" kern="1200">
+                <a:solidFill>
+                  <a:schemeClr val="tx1"/>
+                </a:solidFill>
+                <a:latin typeface="+mj-lt"/>
+                <a:ea typeface="+mj-ea"/>
+                <a:cs typeface="+mj-cs"/>
+              </a:rPr>
+              <a:t>u MS SQL Serveru</a:t>
+            </a:r>
+            <a:endParaRPr lang="en-US" sz="3600" kern="1200" dirty="0">
+              <a:solidFill>
+                <a:schemeClr val="tx1"/>
+              </a:solidFill>
+              <a:latin typeface="+mj-lt"/>
+              <a:ea typeface="+mj-ea"/>
+              <a:cs typeface="+mj-cs"/>
+            </a:endParaRPr>
+          </a:p>
+        </p:txBody>
+      </p:sp>
+      <p:sp>
+        <p:nvSpPr>
+          <p:cNvPr id="5" name="TextBox 4">
+            <a:extLst>
+              <a:ext uri="{FF2B5EF4-FFF2-40B4-BE49-F238E27FC236}">
+                <a16:creationId xmlns:a16="http://schemas.microsoft.com/office/drawing/2014/main" id="{6B5715EF-D93C-4430-BC72-E2C4FF2C903D}"/>
+              </a:ext>
+            </a:extLst>
+          </p:cNvPr>
+          <p:cNvSpPr txBox="1"/>
+          <p:nvPr/>
+        </p:nvSpPr>
+        <p:spPr>
+          <a:xfrm>
+            <a:off x="643469" y="1782981"/>
+            <a:ext cx="3979902" cy="4393982"/>
+          </a:xfrm>
+          <a:prstGeom prst="rect">
+            <a:avLst/>
+          </a:prstGeom>
+        </p:spPr>
+        <p:txBody>
+          <a:bodyPr vert="horz" lIns="91440" tIns="45720" rIns="91440" bIns="45720" rtlCol="0">
+            <a:normAutofit/>
+          </a:bodyPr>
+          <a:lstStyle/>
+          <a:p>
+            <a:pPr>
+              <a:lnSpc>
+                <a:spcPct val="90000"/>
+              </a:lnSpc>
+              <a:spcAft>
+                <a:spcPts val="600"/>
+              </a:spcAft>
+            </a:pPr>
+            <a:r>
+              <a:rPr lang="sr-Latn-RS" sz="2000" dirty="0"/>
+              <a:t>Najkorišćenija HA rešenja</a:t>
+            </a:r>
+            <a:r>
+              <a:rPr lang="en-US" sz="2000" dirty="0"/>
+              <a:t>:</a:t>
+            </a:r>
+          </a:p>
+          <a:p>
+            <a:pPr marL="342900" indent="-342900">
+              <a:lnSpc>
+                <a:spcPct val="90000"/>
+              </a:lnSpc>
+              <a:spcAft>
+                <a:spcPts val="600"/>
+              </a:spcAft>
+              <a:buFont typeface="Arial" panose="020B0604020202020204" pitchFamily="34" charset="0"/>
+              <a:buChar char="•"/>
+            </a:pPr>
+            <a:r>
+              <a:rPr lang="en-US" sz="2000" dirty="0"/>
+              <a:t>Mirroring</a:t>
+            </a:r>
+          </a:p>
+          <a:p>
+            <a:pPr marL="342900" indent="-342900">
+              <a:lnSpc>
+                <a:spcPct val="90000"/>
+              </a:lnSpc>
+              <a:spcAft>
+                <a:spcPts val="600"/>
+              </a:spcAft>
+              <a:buFont typeface="Arial" panose="020B0604020202020204" pitchFamily="34" charset="0"/>
+              <a:buChar char="•"/>
+            </a:pPr>
+            <a:r>
+              <a:rPr lang="sr-Latn-RS" sz="2000" b="1" dirty="0"/>
+              <a:t>„</a:t>
+            </a:r>
+            <a:r>
+              <a:rPr lang="sr-Latn-RS" sz="2000" b="1" dirty="0" err="1"/>
+              <a:t>Always</a:t>
+            </a:r>
+            <a:r>
+              <a:rPr lang="sr-Latn-RS" sz="2000" b="1" dirty="0"/>
+              <a:t> On“ </a:t>
+            </a:r>
+            <a:r>
+              <a:rPr lang="sr-Latn-RS" sz="2000" b="1" dirty="0" err="1"/>
+              <a:t>Failover</a:t>
+            </a:r>
+            <a:r>
+              <a:rPr lang="sr-Latn-RS" sz="2000" b="1" dirty="0"/>
+              <a:t> </a:t>
+            </a:r>
+            <a:r>
+              <a:rPr lang="sr-Latn-RS" sz="2000" b="1" dirty="0" err="1"/>
+              <a:t>Clustering</a:t>
+            </a:r>
+            <a:endParaRPr lang="sr-Latn-RS" sz="2000" b="1" dirty="0"/>
+          </a:p>
+          <a:p>
+            <a:pPr marL="342900" indent="-342900">
+              <a:lnSpc>
+                <a:spcPct val="90000"/>
+              </a:lnSpc>
+              <a:spcAft>
+                <a:spcPts val="600"/>
+              </a:spcAft>
+              <a:buFont typeface="Arial" panose="020B0604020202020204" pitchFamily="34" charset="0"/>
+              <a:buChar char="•"/>
+            </a:pPr>
+            <a:r>
+              <a:rPr lang="sr-Latn-RS" sz="2000" dirty="0"/>
+              <a:t>„</a:t>
+            </a:r>
+            <a:r>
+              <a:rPr lang="sr-Latn-RS" sz="2000" dirty="0" err="1"/>
+              <a:t>Always</a:t>
+            </a:r>
+            <a:r>
+              <a:rPr lang="sr-Latn-RS" sz="2000" dirty="0"/>
+              <a:t> On“ </a:t>
+            </a:r>
+            <a:r>
+              <a:rPr lang="sr-Latn-RS" sz="2000" dirty="0" err="1"/>
+              <a:t>Availability</a:t>
+            </a:r>
+            <a:r>
+              <a:rPr lang="sr-Latn-RS" sz="2000" dirty="0"/>
+              <a:t> </a:t>
+            </a:r>
+            <a:r>
+              <a:rPr lang="sr-Latn-RS" sz="2000" dirty="0" err="1"/>
+              <a:t>Groups</a:t>
+            </a:r>
+            <a:endParaRPr lang="en-US" sz="2000" dirty="0"/>
+          </a:p>
+          <a:p>
+            <a:pPr marL="285750" indent="-228600">
+              <a:lnSpc>
+                <a:spcPct val="90000"/>
+              </a:lnSpc>
+              <a:spcAft>
+                <a:spcPts val="600"/>
+              </a:spcAft>
+              <a:buFont typeface="Arial" panose="020B0604020202020204" pitchFamily="34" charset="0"/>
+              <a:buChar char="•"/>
+            </a:pPr>
+            <a:endParaRPr lang="en-US" sz="2000" dirty="0"/>
+          </a:p>
+        </p:txBody>
+      </p:sp>
+      <p:grpSp>
+        <p:nvGrpSpPr>
+          <p:cNvPr id="77" name="Group 76">
+            <a:extLst>
+              <a:ext uri="{FF2B5EF4-FFF2-40B4-BE49-F238E27FC236}">
+                <a16:creationId xmlns:a16="http://schemas.microsoft.com/office/drawing/2014/main" id="{828A5161-06F1-46CF-8AD7-844680A59E13}"/>
+              </a:ext>
+              <a:ext uri="{C183D7F6-B498-43B3-948B-1728B52AA6E4}">
+                <adec:decorative xmlns:adec="http://schemas.microsoft.com/office/drawing/2017/decorative" val="1"/>
+              </a:ext>
+            </a:extLst>
+          </p:cNvPr>
+          <p:cNvGrpSpPr>
+            <a:grpSpLocks noGrp="1" noUngrp="1" noRot="1" noChangeAspect="1" noMove="1" noResize="1"/>
+          </p:cNvGrpSpPr>
+          <p:nvPr>
+            <p:extLst>
+              <p:ext uri="{386F3935-93C4-4BCD-93E2-E3B085C9AB24}">
+                <p16:designElem xmlns:p16="http://schemas.microsoft.com/office/powerpoint/2015/main" val="1"/>
+              </p:ext>
+            </p:extLst>
+          </p:nvPr>
+        </p:nvGrpSpPr>
+        <p:grpSpPr>
+          <a:xfrm>
+            <a:off x="0" y="4601497"/>
+            <a:ext cx="1014060" cy="2017580"/>
+            <a:chOff x="0" y="4601497"/>
+            <a:chExt cx="1014060" cy="2017580"/>
+          </a:xfrm>
+        </p:grpSpPr>
+        <p:sp>
+          <p:nvSpPr>
+            <p:cNvPr id="78" name="Isosceles Triangle 77">
+              <a:extLst>
+                <a:ext uri="{FF2B5EF4-FFF2-40B4-BE49-F238E27FC236}">
+                  <a16:creationId xmlns:a16="http://schemas.microsoft.com/office/drawing/2014/main" id="{D3F51FEB-38FB-4F6C-9F7B-2F2AFAB65463}"/>
+                </a:ext>
+                <a:ext uri="{C183D7F6-B498-43B3-948B-1728B52AA6E4}">
+                  <adec:decorative xmlns:adec="http://schemas.microsoft.com/office/drawing/2017/decorative" val="1"/>
+                </a:ext>
+              </a:extLst>
+            </p:cNvPr>
+            <p:cNvSpPr/>
+            <p:nvPr>
+              <p:extLst>
+                <p:ext uri="{386F3935-93C4-4BCD-93E2-E3B085C9AB24}">
+                  <p16:designElem xmlns:p16="http://schemas.microsoft.com/office/powerpoint/2015/main" val="1"/>
+                </p:ext>
+              </p:extLst>
+            </p:nvPr>
+          </p:nvSpPr>
+          <p:spPr>
+            <a:xfrm rot="5400000">
+              <a:off x="-501760" y="5103257"/>
+              <a:ext cx="2017580" cy="1014060"/>
+            </a:xfrm>
+            <a:prstGeom prst="triangle">
+              <a:avLst>
+                <a:gd name="adj" fmla="val 50000"/>
+              </a:avLst>
+            </a:prstGeom>
+            <a:solidFill>
+              <a:schemeClr val="accent1">
+                <a:alpha val="30000"/>
+              </a:schemeClr>
+            </a:solidFill>
+            <a:ln>
+              <a:noFill/>
+            </a:ln>
+          </p:spPr>
+          <p:style>
+            <a:lnRef idx="2">
+              <a:schemeClr val="accent1">
+                <a:shade val="50000"/>
+              </a:schemeClr>
+            </a:lnRef>
+            <a:fillRef idx="1">
+              <a:schemeClr val="accent1"/>
+            </a:fillRef>
+            <a:effectRef idx="0">
+              <a:schemeClr val="accent1"/>
+            </a:effectRef>
+            <a:fontRef idx="minor">
+              <a:schemeClr val="lt1"/>
+            </a:fontRef>
+          </p:style>
+          <p:txBody>
+            <a:bodyPr rtlCol="0" anchor="ctr"/>
+            <a:lstStyle/>
+            <a:p>
+              <a:pPr algn="ctr"/>
+              <a:endParaRPr lang="en-US"/>
+            </a:p>
+          </p:txBody>
+        </p:sp>
+        <p:sp>
+          <p:nvSpPr>
+            <p:cNvPr id="79" name="Rectangle 78">
+              <a:extLst>
+                <a:ext uri="{FF2B5EF4-FFF2-40B4-BE49-F238E27FC236}">
+                  <a16:creationId xmlns:a16="http://schemas.microsoft.com/office/drawing/2014/main" id="{1E547BA6-BAE0-43BB-A7CA-60F69CE252F0}"/>
+                </a:ext>
+                <a:ext uri="{C183D7F6-B498-43B3-948B-1728B52AA6E4}">
+                  <adec:decorative xmlns:adec="http://schemas.microsoft.com/office/drawing/2017/decorative" val="1"/>
+                </a:ext>
+              </a:extLst>
+            </p:cNvPr>
+            <p:cNvSpPr/>
+            <p:nvPr>
+              <p:extLst>
+                <p:ext uri="{386F3935-93C4-4BCD-93E2-E3B085C9AB24}">
+                  <p16:designElem xmlns:p16="http://schemas.microsoft.com/office/powerpoint/2015/main" val="1"/>
+                </p:ext>
+              </p:extLst>
+            </p:nvPr>
+          </p:nvSpPr>
+          <p:spPr>
+            <a:xfrm rot="2700000">
+              <a:off x="427916" y="5728708"/>
+              <a:ext cx="485578" cy="485578"/>
+            </a:xfrm>
+            <a:prstGeom prst="rect">
+              <a:avLst/>
+            </a:prstGeom>
+            <a:solidFill>
+              <a:schemeClr val="accent1">
+                <a:alpha val="30000"/>
+              </a:schemeClr>
+            </a:solidFill>
+            <a:ln>
+              <a:noFill/>
+            </a:ln>
+          </p:spPr>
+          <p:style>
+            <a:lnRef idx="2">
+              <a:schemeClr val="accent1">
+                <a:shade val="50000"/>
+              </a:schemeClr>
+            </a:lnRef>
+            <a:fillRef idx="1">
+              <a:schemeClr val="accent1"/>
+            </a:fillRef>
+            <a:effectRef idx="0">
+              <a:schemeClr val="accent1"/>
+            </a:effectRef>
+            <a:fontRef idx="minor">
+              <a:schemeClr val="lt1"/>
+            </a:fontRef>
+          </p:style>
+          <p:txBody>
+            <a:bodyPr rtlCol="0" anchor="ctr"/>
+            <a:lstStyle/>
+            <a:p>
+              <a:pPr algn="ctr"/>
+              <a:endParaRPr lang="en-US"/>
+            </a:p>
+          </p:txBody>
+        </p:sp>
+      </p:grpSp>
+      <p:grpSp>
+        <p:nvGrpSpPr>
+          <p:cNvPr id="81" name="Group 80">
+            <a:extLst>
+              <a:ext uri="{FF2B5EF4-FFF2-40B4-BE49-F238E27FC236}">
+                <a16:creationId xmlns:a16="http://schemas.microsoft.com/office/drawing/2014/main" id="{5995D10D-E9C9-47DB-AE7E-801FEF38F5C9}"/>
+              </a:ext>
+              <a:ext uri="{C183D7F6-B498-43B3-948B-1728B52AA6E4}">
+                <adec:decorative xmlns:adec="http://schemas.microsoft.com/office/drawing/2017/decorative" val="1"/>
+              </a:ext>
+            </a:extLst>
+          </p:cNvPr>
+          <p:cNvGrpSpPr>
+            <a:grpSpLocks noGrp="1" noUngrp="1" noRot="1" noChangeAspect="1" noMove="1" noResize="1"/>
+          </p:cNvGrpSpPr>
+          <p:nvPr>
+            <p:extLst>
+              <p:ext uri="{386F3935-93C4-4BCD-93E2-E3B085C9AB24}">
+                <p16:designElem xmlns:p16="http://schemas.microsoft.com/office/powerpoint/2015/main" val="1"/>
+              </p:ext>
+            </p:extLst>
+          </p:nvPr>
+        </p:nvGrpSpPr>
+        <p:grpSpPr>
+          <a:xfrm>
+            <a:off x="11219290" y="1"/>
+            <a:ext cx="972709" cy="1935307"/>
+            <a:chOff x="10918968" y="713127"/>
+            <a:chExt cx="1273032" cy="2532832"/>
+          </a:xfrm>
+        </p:grpSpPr>
+        <p:sp>
+          <p:nvSpPr>
+            <p:cNvPr id="82" name="Rectangle 81">
+              <a:extLst>
+                <a:ext uri="{FF2B5EF4-FFF2-40B4-BE49-F238E27FC236}">
+                  <a16:creationId xmlns:a16="http://schemas.microsoft.com/office/drawing/2014/main" id="{CC1A72C6-3DE4-4EC3-9AD5-9E0D40D8CE8A}"/>
+                </a:ext>
+                <a:ext uri="{C183D7F6-B498-43B3-948B-1728B52AA6E4}">
+                  <adec:decorative xmlns:adec="http://schemas.microsoft.com/office/drawing/2017/decorative" val="1"/>
+                </a:ext>
+              </a:extLst>
+            </p:cNvPr>
+            <p:cNvSpPr/>
+            <p:nvPr>
+              <p:extLst>
+                <p:ext uri="{386F3935-93C4-4BCD-93E2-E3B085C9AB24}">
+                  <p16:designElem xmlns:p16="http://schemas.microsoft.com/office/powerpoint/2015/main" val="1"/>
+                </p:ext>
+              </p:extLst>
+            </p:nvPr>
+          </p:nvSpPr>
+          <p:spPr>
+            <a:xfrm rot="2700000">
+              <a:off x="11052629" y="2120024"/>
+              <a:ext cx="645368" cy="645368"/>
+            </a:xfrm>
+            <a:prstGeom prst="rect">
+              <a:avLst/>
+            </a:prstGeom>
+            <a:solidFill>
+              <a:schemeClr val="accent4">
+                <a:alpha val="30000"/>
+              </a:schemeClr>
+            </a:solidFill>
+            <a:ln>
+              <a:noFill/>
+            </a:ln>
+          </p:spPr>
+          <p:style>
+            <a:lnRef idx="2">
+              <a:schemeClr val="accent1">
+                <a:shade val="50000"/>
+              </a:schemeClr>
+            </a:lnRef>
+            <a:fillRef idx="1">
+              <a:schemeClr val="accent1"/>
+            </a:fillRef>
+            <a:effectRef idx="0">
+              <a:schemeClr val="accent1"/>
+            </a:effectRef>
+            <a:fontRef idx="minor">
+              <a:schemeClr val="lt1"/>
+            </a:fontRef>
+          </p:style>
+          <p:txBody>
+            <a:bodyPr rtlCol="0" anchor="ctr"/>
+            <a:lstStyle/>
+            <a:p>
+              <a:pPr algn="ctr"/>
+              <a:endParaRPr lang="en-US"/>
+            </a:p>
+          </p:txBody>
+        </p:sp>
+        <p:sp>
+          <p:nvSpPr>
+            <p:cNvPr id="83" name="Isosceles Triangle 82">
+              <a:extLst>
+                <a:ext uri="{FF2B5EF4-FFF2-40B4-BE49-F238E27FC236}">
+                  <a16:creationId xmlns:a16="http://schemas.microsoft.com/office/drawing/2014/main" id="{0B0DA1F1-C391-4EDF-9FE0-23E86E137765}"/>
+                </a:ext>
+                <a:ext uri="{C183D7F6-B498-43B3-948B-1728B52AA6E4}">
+                  <adec:decorative xmlns:adec="http://schemas.microsoft.com/office/drawing/2017/decorative" val="1"/>
+                </a:ext>
+              </a:extLst>
+            </p:cNvPr>
+            <p:cNvSpPr/>
+            <p:nvPr>
+              <p:extLst>
+                <p:ext uri="{386F3935-93C4-4BCD-93E2-E3B085C9AB24}">
+                  <p16:designElem xmlns:p16="http://schemas.microsoft.com/office/powerpoint/2015/main" val="1"/>
+                </p:ext>
+              </p:extLst>
+            </p:nvPr>
+          </p:nvSpPr>
+          <p:spPr>
+            <a:xfrm rot="16200000">
+              <a:off x="10289068" y="1343027"/>
+              <a:ext cx="2532832" cy="1273032"/>
+            </a:xfrm>
+            <a:prstGeom prst="triangle">
+              <a:avLst>
+                <a:gd name="adj" fmla="val 50000"/>
+              </a:avLst>
+            </a:prstGeom>
+            <a:solidFill>
+              <a:schemeClr val="accent4">
+                <a:alpha val="30000"/>
+              </a:schemeClr>
+            </a:solidFill>
+            <a:ln>
+              <a:noFill/>
+            </a:ln>
+          </p:spPr>
+          <p:style>
+            <a:lnRef idx="2">
+              <a:schemeClr val="accent1">
+                <a:shade val="50000"/>
+              </a:schemeClr>
+            </a:lnRef>
+            <a:fillRef idx="1">
+              <a:schemeClr val="accent1"/>
+            </a:fillRef>
+            <a:effectRef idx="0">
+              <a:schemeClr val="accent1"/>
+            </a:effectRef>
+            <a:fontRef idx="minor">
+              <a:schemeClr val="lt1"/>
+            </a:fontRef>
+          </p:style>
+          <p:txBody>
+            <a:bodyPr rtlCol="0" anchor="ctr"/>
+            <a:lstStyle/>
+            <a:p>
+              <a:pPr algn="ctr"/>
+              <a:endParaRPr lang="en-US" dirty="0"/>
+            </a:p>
+          </p:txBody>
+        </p:sp>
+      </p:grpSp>
+      <p:pic>
+        <p:nvPicPr>
+          <p:cNvPr id="7" name="Picture 6" descr="Diagram&#10;&#10;Description automatically generated">
+            <a:extLst>
+              <a:ext uri="{FF2B5EF4-FFF2-40B4-BE49-F238E27FC236}">
+                <a16:creationId xmlns:a16="http://schemas.microsoft.com/office/drawing/2014/main" id="{A5B8180C-4AFD-466F-9D27-85A559FAE414}"/>
+              </a:ext>
+            </a:extLst>
+          </p:cNvPr>
+          <p:cNvPicPr>
+            <a:picLocks noChangeAspect="1"/>
+          </p:cNvPicPr>
+          <p:nvPr/>
+        </p:nvPicPr>
+        <p:blipFill>
+          <a:blip r:embed="rId3">
+            <a:extLst>
+              <a:ext uri="{28A0092B-C50C-407E-A947-70E740481C1C}">
+                <a14:useLocalDpi xmlns:a14="http://schemas.microsoft.com/office/drawing/2010/main" val="0"/>
+              </a:ext>
+            </a:extLst>
+          </a:blip>
+          <a:stretch>
+            <a:fillRect/>
+          </a:stretch>
+        </p:blipFill>
+        <p:spPr>
+          <a:xfrm>
+            <a:off x="2694182" y="3240515"/>
+            <a:ext cx="8030382" cy="3074338"/>
+          </a:xfrm>
+          <a:prstGeom prst="rect">
+            <a:avLst/>
+          </a:prstGeom>
+        </p:spPr>
+      </p:pic>
+    </p:spTree>
+    <p:extLst>
+      <p:ext uri="{BB962C8B-B14F-4D97-AF65-F5344CB8AC3E}">
+        <p14:creationId xmlns:p14="http://schemas.microsoft.com/office/powerpoint/2010/main" val="560996105"/>
+      </p:ext>
+    </p:extLst>
+  </p:cSld>
+  <p:clrMapOvr>
+    <a:masterClrMapping/>
+  </p:clrMapOvr>
+</p:sld>
+</file>
+
+<file path=ppt/slides/slide15.xml><?xml version="1.0" encoding="utf-8"?>
+<p:sld xmlns:a="http://schemas.openxmlformats.org/drawingml/2006/main" xmlns:r="http://schemas.openxmlformats.org/officeDocument/2006/relationships" xmlns:p="http://schemas.openxmlformats.org/presentationml/2006/main">
+  <p:cSld>
+    <p:bg>
+      <p:bgPr>
+        <a:solidFill>
+          <a:schemeClr val="bg1"/>
+        </a:solidFill>
+        <a:effectLst/>
+      </p:bgPr>
+    </p:bg>
+    <p:spTree>
+      <p:nvGrpSpPr>
+        <p:cNvPr id="1" name="Shape 197"/>
+        <p:cNvGrpSpPr/>
+        <p:nvPr/>
+      </p:nvGrpSpPr>
+      <p:grpSpPr>
+        <a:xfrm>
+          <a:off x="0" y="0"/>
+          <a:ext cx="0" cy="0"/>
+          <a:chOff x="0" y="0"/>
+          <a:chExt cx="0" cy="0"/>
+        </a:xfrm>
+      </p:grpSpPr>
+      <p:sp>
+        <p:nvSpPr>
+          <p:cNvPr id="75" name="Rectangle 74">
+            <a:extLst>
+              <a:ext uri="{FF2B5EF4-FFF2-40B4-BE49-F238E27FC236}">
+                <a16:creationId xmlns:a16="http://schemas.microsoft.com/office/drawing/2014/main" id="{2B566528-1B12-4246-9431-5C2D7D081168}"/>
+              </a:ext>
+              <a:ext uri="{C183D7F6-B498-43B3-948B-1728B52AA6E4}">
+                <adec:decorative xmlns:adec="http://schemas.microsoft.com/office/drawing/2017/decorative" val="1"/>
+              </a:ext>
+            </a:extLst>
+          </p:cNvPr>
+          <p:cNvSpPr>
+            <a:spLocks noGrp="1" noRot="1" noChangeAspect="1" noMove="1" noResize="1" noEditPoints="1" noAdjustHandles="1" noChangeArrowheads="1" noChangeShapeType="1" noTextEdit="1"/>
+          </p:cNvSpPr>
+          <p:nvPr>
+            <p:extLst>
+              <p:ext uri="{386F3935-93C4-4BCD-93E2-E3B085C9AB24}">
+                <p16:designElem xmlns:p16="http://schemas.microsoft.com/office/powerpoint/2015/main" val="1"/>
+              </p:ext>
+            </p:extLst>
+          </p:nvPr>
+        </p:nvSpPr>
+        <p:spPr>
+          <a:xfrm>
+            <a:off x="0" y="0"/>
+            <a:ext cx="12192000" cy="6858000"/>
+          </a:xfrm>
+          <a:prstGeom prst="rect">
+            <a:avLst/>
+          </a:prstGeom>
+          <a:solidFill>
+            <a:schemeClr val="bg1"/>
+          </a:solidFill>
+          <a:ln>
+            <a:noFill/>
+          </a:ln>
+        </p:spPr>
+        <p:style>
+          <a:lnRef idx="2">
+            <a:schemeClr val="accent1">
+              <a:shade val="50000"/>
+            </a:schemeClr>
+          </a:lnRef>
+          <a:fillRef idx="1">
+            <a:schemeClr val="accent1"/>
+          </a:fillRef>
+          <a:effectRef idx="0">
+            <a:schemeClr val="accent1"/>
+          </a:effectRef>
+          <a:fontRef idx="minor">
+            <a:schemeClr val="lt1"/>
+          </a:fontRef>
+        </p:style>
+        <p:txBody>
+          <a:bodyPr rtlCol="0" anchor="ctr"/>
+          <a:lstStyle/>
+          <a:p>
+            <a:pPr algn="ctr"/>
+            <a:endParaRPr lang="en-US" dirty="0"/>
+          </a:p>
+        </p:txBody>
+      </p:sp>
+      <p:sp>
+        <p:nvSpPr>
+          <p:cNvPr id="198" name="Google Shape;198;p37"/>
+          <p:cNvSpPr txBox="1">
+            <a:spLocks noGrp="1"/>
+          </p:cNvSpPr>
+          <p:nvPr>
+            <p:ph type="title"/>
+          </p:nvPr>
+        </p:nvSpPr>
+        <p:spPr>
+          <a:xfrm>
+            <a:off x="643467" y="321734"/>
+            <a:ext cx="10905066" cy="1135737"/>
+          </a:xfrm>
+          <a:prstGeom prst="rect">
+            <a:avLst/>
+          </a:prstGeom>
+        </p:spPr>
+        <p:txBody>
+          <a:bodyPr spcFirstLastPara="1" vert="horz" lIns="91440" tIns="45720" rIns="91440" bIns="45720" rtlCol="0" anchor="ctr" anchorCtr="0">
+            <a:normAutofit/>
+          </a:bodyPr>
+          <a:lstStyle/>
+          <a:p>
+            <a:pPr>
+              <a:spcBef>
+                <a:spcPct val="0"/>
+              </a:spcBef>
+            </a:pPr>
+            <a:r>
+              <a:rPr lang="en-US" sz="3600" kern="1200">
+                <a:solidFill>
+                  <a:schemeClr val="tx1"/>
+                </a:solidFill>
+                <a:latin typeface="+mj-lt"/>
+                <a:ea typeface="+mj-ea"/>
+                <a:cs typeface="+mj-cs"/>
+              </a:rPr>
+              <a:t>HA re</a:t>
+            </a:r>
+            <a:r>
+              <a:rPr lang="sr-Latn-RS" sz="3600" kern="1200">
+                <a:solidFill>
+                  <a:schemeClr val="tx1"/>
+                </a:solidFill>
+                <a:latin typeface="+mj-lt"/>
+                <a:ea typeface="+mj-ea"/>
+                <a:cs typeface="+mj-cs"/>
+              </a:rPr>
+              <a:t>šenja </a:t>
+            </a:r>
+            <a:r>
+              <a:rPr lang="en-US" sz="3600" kern="1200">
+                <a:solidFill>
+                  <a:schemeClr val="tx1"/>
+                </a:solidFill>
+                <a:latin typeface="+mj-lt"/>
+                <a:ea typeface="+mj-ea"/>
+                <a:cs typeface="+mj-cs"/>
+              </a:rPr>
+              <a:t>u MS SQL Serveru</a:t>
+            </a:r>
+            <a:endParaRPr lang="en-US" sz="3600" kern="1200" dirty="0">
+              <a:solidFill>
+                <a:schemeClr val="tx1"/>
+              </a:solidFill>
+              <a:latin typeface="+mj-lt"/>
+              <a:ea typeface="+mj-ea"/>
+              <a:cs typeface="+mj-cs"/>
+            </a:endParaRPr>
+          </a:p>
+        </p:txBody>
+      </p:sp>
+      <p:sp>
+        <p:nvSpPr>
+          <p:cNvPr id="5" name="TextBox 4">
+            <a:extLst>
+              <a:ext uri="{FF2B5EF4-FFF2-40B4-BE49-F238E27FC236}">
+                <a16:creationId xmlns:a16="http://schemas.microsoft.com/office/drawing/2014/main" id="{6B5715EF-D93C-4430-BC72-E2C4FF2C903D}"/>
+              </a:ext>
+            </a:extLst>
+          </p:cNvPr>
+          <p:cNvSpPr txBox="1"/>
+          <p:nvPr/>
+        </p:nvSpPr>
+        <p:spPr>
+          <a:xfrm>
+            <a:off x="643469" y="1782981"/>
+            <a:ext cx="3979902" cy="4393982"/>
+          </a:xfrm>
+          <a:prstGeom prst="rect">
+            <a:avLst/>
+          </a:prstGeom>
+        </p:spPr>
+        <p:txBody>
+          <a:bodyPr vert="horz" lIns="91440" tIns="45720" rIns="91440" bIns="45720" rtlCol="0">
+            <a:normAutofit/>
+          </a:bodyPr>
+          <a:lstStyle/>
+          <a:p>
+            <a:pPr>
+              <a:lnSpc>
+                <a:spcPct val="90000"/>
+              </a:lnSpc>
+              <a:spcAft>
+                <a:spcPts val="600"/>
+              </a:spcAft>
+            </a:pPr>
+            <a:r>
+              <a:rPr lang="sr-Latn-RS" sz="2000" dirty="0"/>
+              <a:t>Najkorišćenija HA rešenja</a:t>
+            </a:r>
+            <a:r>
+              <a:rPr lang="en-US" sz="2000" dirty="0"/>
+              <a:t>:</a:t>
+            </a:r>
+          </a:p>
+          <a:p>
+            <a:pPr marL="342900" indent="-342900">
+              <a:lnSpc>
+                <a:spcPct val="90000"/>
+              </a:lnSpc>
+              <a:spcAft>
+                <a:spcPts val="600"/>
+              </a:spcAft>
+              <a:buFont typeface="Arial" panose="020B0604020202020204" pitchFamily="34" charset="0"/>
+              <a:buChar char="•"/>
+            </a:pPr>
+            <a:r>
+              <a:rPr lang="en-US" sz="2000" dirty="0"/>
+              <a:t>Mirroring</a:t>
+            </a:r>
+          </a:p>
+          <a:p>
+            <a:pPr marL="342900" indent="-342900">
+              <a:lnSpc>
+                <a:spcPct val="90000"/>
+              </a:lnSpc>
+              <a:spcAft>
+                <a:spcPts val="600"/>
+              </a:spcAft>
+              <a:buFont typeface="Arial" panose="020B0604020202020204" pitchFamily="34" charset="0"/>
+              <a:buChar char="•"/>
+            </a:pPr>
+            <a:r>
+              <a:rPr lang="sr-Latn-RS" sz="2000" dirty="0"/>
+              <a:t>„</a:t>
+            </a:r>
+            <a:r>
+              <a:rPr lang="sr-Latn-RS" sz="2000" dirty="0" err="1"/>
+              <a:t>Always</a:t>
+            </a:r>
+            <a:r>
+              <a:rPr lang="sr-Latn-RS" sz="2000" dirty="0"/>
+              <a:t> On“ </a:t>
+            </a:r>
+            <a:r>
+              <a:rPr lang="sr-Latn-RS" sz="2000" dirty="0" err="1"/>
+              <a:t>Failover</a:t>
+            </a:r>
+            <a:r>
+              <a:rPr lang="sr-Latn-RS" sz="2000" dirty="0"/>
+              <a:t> </a:t>
+            </a:r>
+            <a:r>
+              <a:rPr lang="sr-Latn-RS" sz="2000" dirty="0" err="1"/>
+              <a:t>Clustering</a:t>
+            </a:r>
+            <a:endParaRPr lang="sr-Latn-RS" sz="2000" dirty="0"/>
+          </a:p>
+          <a:p>
+            <a:pPr marL="342900" indent="-342900">
+              <a:lnSpc>
+                <a:spcPct val="90000"/>
+              </a:lnSpc>
+              <a:spcAft>
+                <a:spcPts val="600"/>
+              </a:spcAft>
+              <a:buFont typeface="Arial" panose="020B0604020202020204" pitchFamily="34" charset="0"/>
+              <a:buChar char="•"/>
+            </a:pPr>
+            <a:r>
+              <a:rPr lang="sr-Latn-RS" sz="2000" dirty="0"/>
+              <a:t>„</a:t>
+            </a:r>
+            <a:r>
+              <a:rPr lang="sr-Latn-RS" sz="2000" b="1" dirty="0" err="1"/>
+              <a:t>Always</a:t>
+            </a:r>
+            <a:r>
+              <a:rPr lang="sr-Latn-RS" sz="2000" b="1" dirty="0"/>
+              <a:t> On“ </a:t>
+            </a:r>
+            <a:r>
+              <a:rPr lang="sr-Latn-RS" sz="2000" b="1" dirty="0" err="1"/>
+              <a:t>Availability</a:t>
+            </a:r>
+            <a:r>
+              <a:rPr lang="sr-Latn-RS" sz="2000" b="1" dirty="0"/>
+              <a:t> </a:t>
+            </a:r>
+            <a:r>
+              <a:rPr lang="sr-Latn-RS" sz="2000" b="1" dirty="0" err="1"/>
+              <a:t>Groups</a:t>
+            </a:r>
+            <a:endParaRPr lang="en-US" sz="2000" b="1" dirty="0"/>
+          </a:p>
+          <a:p>
+            <a:pPr marL="285750" indent="-228600">
+              <a:lnSpc>
+                <a:spcPct val="90000"/>
+              </a:lnSpc>
+              <a:spcAft>
+                <a:spcPts val="600"/>
+              </a:spcAft>
+              <a:buFont typeface="Arial" panose="020B0604020202020204" pitchFamily="34" charset="0"/>
+              <a:buChar char="•"/>
+            </a:pPr>
+            <a:endParaRPr lang="en-US" sz="2000" dirty="0"/>
+          </a:p>
+        </p:txBody>
+      </p:sp>
+      <p:grpSp>
+        <p:nvGrpSpPr>
+          <p:cNvPr id="77" name="Group 76">
+            <a:extLst>
+              <a:ext uri="{FF2B5EF4-FFF2-40B4-BE49-F238E27FC236}">
+                <a16:creationId xmlns:a16="http://schemas.microsoft.com/office/drawing/2014/main" id="{828A5161-06F1-46CF-8AD7-844680A59E13}"/>
+              </a:ext>
+              <a:ext uri="{C183D7F6-B498-43B3-948B-1728B52AA6E4}">
+                <adec:decorative xmlns:adec="http://schemas.microsoft.com/office/drawing/2017/decorative" val="1"/>
+              </a:ext>
+            </a:extLst>
+          </p:cNvPr>
+          <p:cNvGrpSpPr>
+            <a:grpSpLocks noGrp="1" noUngrp="1" noRot="1" noChangeAspect="1" noMove="1" noResize="1"/>
+          </p:cNvGrpSpPr>
+          <p:nvPr>
+            <p:extLst>
+              <p:ext uri="{386F3935-93C4-4BCD-93E2-E3B085C9AB24}">
+                <p16:designElem xmlns:p16="http://schemas.microsoft.com/office/powerpoint/2015/main" val="1"/>
+              </p:ext>
+            </p:extLst>
+          </p:nvPr>
+        </p:nvGrpSpPr>
+        <p:grpSpPr>
+          <a:xfrm>
+            <a:off x="0" y="4601497"/>
+            <a:ext cx="1014060" cy="2017580"/>
+            <a:chOff x="0" y="4601497"/>
+            <a:chExt cx="1014060" cy="2017580"/>
+          </a:xfrm>
+        </p:grpSpPr>
+        <p:sp>
+          <p:nvSpPr>
+            <p:cNvPr id="78" name="Isosceles Triangle 77">
+              <a:extLst>
+                <a:ext uri="{FF2B5EF4-FFF2-40B4-BE49-F238E27FC236}">
+                  <a16:creationId xmlns:a16="http://schemas.microsoft.com/office/drawing/2014/main" id="{D3F51FEB-38FB-4F6C-9F7B-2F2AFAB65463}"/>
+                </a:ext>
+                <a:ext uri="{C183D7F6-B498-43B3-948B-1728B52AA6E4}">
+                  <adec:decorative xmlns:adec="http://schemas.microsoft.com/office/drawing/2017/decorative" val="1"/>
+                </a:ext>
+              </a:extLst>
+            </p:cNvPr>
+            <p:cNvSpPr/>
+            <p:nvPr>
+              <p:extLst>
+                <p:ext uri="{386F3935-93C4-4BCD-93E2-E3B085C9AB24}">
+                  <p16:designElem xmlns:p16="http://schemas.microsoft.com/office/powerpoint/2015/main" val="1"/>
+                </p:ext>
+              </p:extLst>
+            </p:nvPr>
+          </p:nvSpPr>
+          <p:spPr>
+            <a:xfrm rot="5400000">
+              <a:off x="-501760" y="5103257"/>
+              <a:ext cx="2017580" cy="1014060"/>
+            </a:xfrm>
+            <a:prstGeom prst="triangle">
+              <a:avLst>
+                <a:gd name="adj" fmla="val 50000"/>
+              </a:avLst>
+            </a:prstGeom>
+            <a:solidFill>
+              <a:schemeClr val="accent1">
+                <a:alpha val="30000"/>
+              </a:schemeClr>
+            </a:solidFill>
+            <a:ln>
+              <a:noFill/>
+            </a:ln>
+          </p:spPr>
+          <p:style>
+            <a:lnRef idx="2">
+              <a:schemeClr val="accent1">
+                <a:shade val="50000"/>
+              </a:schemeClr>
+            </a:lnRef>
+            <a:fillRef idx="1">
+              <a:schemeClr val="accent1"/>
+            </a:fillRef>
+            <a:effectRef idx="0">
+              <a:schemeClr val="accent1"/>
+            </a:effectRef>
+            <a:fontRef idx="minor">
+              <a:schemeClr val="lt1"/>
+            </a:fontRef>
+          </p:style>
+          <p:txBody>
+            <a:bodyPr rtlCol="0" anchor="ctr"/>
+            <a:lstStyle/>
+            <a:p>
+              <a:pPr algn="ctr"/>
+              <a:endParaRPr lang="en-US"/>
+            </a:p>
+          </p:txBody>
+        </p:sp>
+        <p:sp>
+          <p:nvSpPr>
+            <p:cNvPr id="79" name="Rectangle 78">
+              <a:extLst>
+                <a:ext uri="{FF2B5EF4-FFF2-40B4-BE49-F238E27FC236}">
+                  <a16:creationId xmlns:a16="http://schemas.microsoft.com/office/drawing/2014/main" id="{1E547BA6-BAE0-43BB-A7CA-60F69CE252F0}"/>
+                </a:ext>
+                <a:ext uri="{C183D7F6-B498-43B3-948B-1728B52AA6E4}">
+                  <adec:decorative xmlns:adec="http://schemas.microsoft.com/office/drawing/2017/decorative" val="1"/>
+                </a:ext>
+              </a:extLst>
+            </p:cNvPr>
+            <p:cNvSpPr/>
+            <p:nvPr>
+              <p:extLst>
+                <p:ext uri="{386F3935-93C4-4BCD-93E2-E3B085C9AB24}">
+                  <p16:designElem xmlns:p16="http://schemas.microsoft.com/office/powerpoint/2015/main" val="1"/>
+                </p:ext>
+              </p:extLst>
+            </p:nvPr>
+          </p:nvSpPr>
+          <p:spPr>
+            <a:xfrm rot="2700000">
+              <a:off x="427916" y="5728708"/>
+              <a:ext cx="485578" cy="485578"/>
+            </a:xfrm>
+            <a:prstGeom prst="rect">
+              <a:avLst/>
+            </a:prstGeom>
+            <a:solidFill>
+              <a:schemeClr val="accent1">
+                <a:alpha val="30000"/>
+              </a:schemeClr>
+            </a:solidFill>
+            <a:ln>
+              <a:noFill/>
+            </a:ln>
+          </p:spPr>
+          <p:style>
+            <a:lnRef idx="2">
+              <a:schemeClr val="accent1">
+                <a:shade val="50000"/>
+              </a:schemeClr>
+            </a:lnRef>
+            <a:fillRef idx="1">
+              <a:schemeClr val="accent1"/>
+            </a:fillRef>
+            <a:effectRef idx="0">
+              <a:schemeClr val="accent1"/>
+            </a:effectRef>
+            <a:fontRef idx="minor">
+              <a:schemeClr val="lt1"/>
+            </a:fontRef>
+          </p:style>
+          <p:txBody>
+            <a:bodyPr rtlCol="0" anchor="ctr"/>
+            <a:lstStyle/>
+            <a:p>
+              <a:pPr algn="ctr"/>
+              <a:endParaRPr lang="en-US"/>
+            </a:p>
+          </p:txBody>
+        </p:sp>
+      </p:grpSp>
+      <p:grpSp>
+        <p:nvGrpSpPr>
+          <p:cNvPr id="81" name="Group 80">
+            <a:extLst>
+              <a:ext uri="{FF2B5EF4-FFF2-40B4-BE49-F238E27FC236}">
+                <a16:creationId xmlns:a16="http://schemas.microsoft.com/office/drawing/2014/main" id="{5995D10D-E9C9-47DB-AE7E-801FEF38F5C9}"/>
+              </a:ext>
+              <a:ext uri="{C183D7F6-B498-43B3-948B-1728B52AA6E4}">
+                <adec:decorative xmlns:adec="http://schemas.microsoft.com/office/drawing/2017/decorative" val="1"/>
+              </a:ext>
+            </a:extLst>
+          </p:cNvPr>
+          <p:cNvGrpSpPr>
+            <a:grpSpLocks noGrp="1" noUngrp="1" noRot="1" noChangeAspect="1" noMove="1" noResize="1"/>
+          </p:cNvGrpSpPr>
+          <p:nvPr>
+            <p:extLst>
+              <p:ext uri="{386F3935-93C4-4BCD-93E2-E3B085C9AB24}">
+                <p16:designElem xmlns:p16="http://schemas.microsoft.com/office/powerpoint/2015/main" val="1"/>
+              </p:ext>
+            </p:extLst>
+          </p:nvPr>
+        </p:nvGrpSpPr>
+        <p:grpSpPr>
+          <a:xfrm>
+            <a:off x="11219290" y="1"/>
+            <a:ext cx="972709" cy="1935307"/>
+            <a:chOff x="10918968" y="713127"/>
+            <a:chExt cx="1273032" cy="2532832"/>
+          </a:xfrm>
+        </p:grpSpPr>
+        <p:sp>
+          <p:nvSpPr>
+            <p:cNvPr id="82" name="Rectangle 81">
+              <a:extLst>
+                <a:ext uri="{FF2B5EF4-FFF2-40B4-BE49-F238E27FC236}">
+                  <a16:creationId xmlns:a16="http://schemas.microsoft.com/office/drawing/2014/main" id="{CC1A72C6-3DE4-4EC3-9AD5-9E0D40D8CE8A}"/>
+                </a:ext>
+                <a:ext uri="{C183D7F6-B498-43B3-948B-1728B52AA6E4}">
+                  <adec:decorative xmlns:adec="http://schemas.microsoft.com/office/drawing/2017/decorative" val="1"/>
+                </a:ext>
+              </a:extLst>
+            </p:cNvPr>
+            <p:cNvSpPr/>
+            <p:nvPr>
+              <p:extLst>
+                <p:ext uri="{386F3935-93C4-4BCD-93E2-E3B085C9AB24}">
+                  <p16:designElem xmlns:p16="http://schemas.microsoft.com/office/powerpoint/2015/main" val="1"/>
+                </p:ext>
+              </p:extLst>
+            </p:nvPr>
+          </p:nvSpPr>
+          <p:spPr>
+            <a:xfrm rot="2700000">
+              <a:off x="11052629" y="2120024"/>
+              <a:ext cx="645368" cy="645368"/>
+            </a:xfrm>
+            <a:prstGeom prst="rect">
+              <a:avLst/>
+            </a:prstGeom>
+            <a:solidFill>
+              <a:schemeClr val="accent4">
+                <a:alpha val="30000"/>
+              </a:schemeClr>
+            </a:solidFill>
+            <a:ln>
+              <a:noFill/>
+            </a:ln>
+          </p:spPr>
+          <p:style>
+            <a:lnRef idx="2">
+              <a:schemeClr val="accent1">
+                <a:shade val="50000"/>
+              </a:schemeClr>
+            </a:lnRef>
+            <a:fillRef idx="1">
+              <a:schemeClr val="accent1"/>
+            </a:fillRef>
+            <a:effectRef idx="0">
+              <a:schemeClr val="accent1"/>
+            </a:effectRef>
+            <a:fontRef idx="minor">
+              <a:schemeClr val="lt1"/>
+            </a:fontRef>
+          </p:style>
+          <p:txBody>
+            <a:bodyPr rtlCol="0" anchor="ctr"/>
+            <a:lstStyle/>
+            <a:p>
+              <a:pPr algn="ctr"/>
+              <a:endParaRPr lang="en-US"/>
+            </a:p>
+          </p:txBody>
+        </p:sp>
+        <p:sp>
+          <p:nvSpPr>
+            <p:cNvPr id="83" name="Isosceles Triangle 82">
+              <a:extLst>
+                <a:ext uri="{FF2B5EF4-FFF2-40B4-BE49-F238E27FC236}">
+                  <a16:creationId xmlns:a16="http://schemas.microsoft.com/office/drawing/2014/main" id="{0B0DA1F1-C391-4EDF-9FE0-23E86E137765}"/>
+                </a:ext>
+                <a:ext uri="{C183D7F6-B498-43B3-948B-1728B52AA6E4}">
+                  <adec:decorative xmlns:adec="http://schemas.microsoft.com/office/drawing/2017/decorative" val="1"/>
+                </a:ext>
+              </a:extLst>
+            </p:cNvPr>
+            <p:cNvSpPr/>
+            <p:nvPr>
+              <p:extLst>
+                <p:ext uri="{386F3935-93C4-4BCD-93E2-E3B085C9AB24}">
+                  <p16:designElem xmlns:p16="http://schemas.microsoft.com/office/powerpoint/2015/main" val="1"/>
+                </p:ext>
+              </p:extLst>
+            </p:nvPr>
+          </p:nvSpPr>
+          <p:spPr>
+            <a:xfrm rot="16200000">
+              <a:off x="10289068" y="1343027"/>
+              <a:ext cx="2532832" cy="1273032"/>
+            </a:xfrm>
+            <a:prstGeom prst="triangle">
+              <a:avLst>
+                <a:gd name="adj" fmla="val 50000"/>
+              </a:avLst>
+            </a:prstGeom>
+            <a:solidFill>
+              <a:schemeClr val="accent4">
+                <a:alpha val="30000"/>
+              </a:schemeClr>
+            </a:solidFill>
+            <a:ln>
+              <a:noFill/>
+            </a:ln>
+          </p:spPr>
+          <p:style>
+            <a:lnRef idx="2">
+              <a:schemeClr val="accent1">
+                <a:shade val="50000"/>
+              </a:schemeClr>
+            </a:lnRef>
+            <a:fillRef idx="1">
+              <a:schemeClr val="accent1"/>
+            </a:fillRef>
+            <a:effectRef idx="0">
+              <a:schemeClr val="accent1"/>
+            </a:effectRef>
+            <a:fontRef idx="minor">
+              <a:schemeClr val="lt1"/>
+            </a:fontRef>
+          </p:style>
+          <p:txBody>
+            <a:bodyPr rtlCol="0" anchor="ctr"/>
+            <a:lstStyle/>
+            <a:p>
+              <a:pPr algn="ctr"/>
+              <a:endParaRPr lang="en-US" dirty="0"/>
+            </a:p>
+          </p:txBody>
+        </p:sp>
+      </p:grpSp>
+    </p:spTree>
+    <p:extLst>
+      <p:ext uri="{BB962C8B-B14F-4D97-AF65-F5344CB8AC3E}">
+        <p14:creationId xmlns:p14="http://schemas.microsoft.com/office/powerpoint/2010/main" val="2275902670"/>
+      </p:ext>
+    </p:extLst>
+  </p:cSld>
+  <p:clrMapOvr>
+    <a:masterClrMapping/>
+  </p:clrMapOvr>
+</p:sld>
+</file>
+
+<file path=ppt/slides/slide16.xml><?xml version="1.0" encoding="utf-8"?>
+<p:sld xmlns:a="http://schemas.openxmlformats.org/drawingml/2006/main" xmlns:r="http://schemas.openxmlformats.org/officeDocument/2006/relationships" xmlns:p="http://schemas.openxmlformats.org/presentationml/2006/main">
+  <p:cSld>
     <p:spTree>
       <p:nvGrpSpPr>
         <p:cNvPr id="1" name="Shape 246"/>
@@ -16378,7 +18999,7 @@
           <a:p>
             <a:r>
               <a:rPr lang="sr-Latn-RS" dirty="0"/>
-              <a:t>Recimo da je period koji nas zanima 48h. U tom periodu, bilo je 8h zastoja i 5 odvojena otkaza. To znači da je operativno vreme bilo 40 sati pa je samim tim MTBF jednak 40/8 = 5 sati.</a:t>
+              <a:t>Recimo da je period koji nas zanima 48h. U tom periodu, bilo je 8h zastoja i 5 otkaza. To znači da je operativno vreme bilo 40 sati pa je samim tim MTBF jednak 40/8 = 5 sati.</a:t>
             </a:r>
           </a:p>
         </p:txBody>
